--- a/16216/f15/lectures/16.216f15_lec34_dyn_struct.pptx
+++ b/16216/f15/lectures/16.216f15_lec34_dyn_struct.pptx
@@ -5,10 +5,10 @@
     <p:sldMasterId id="2147483792" r:id="rId1"/>
   </p:sldMasterIdLst>
   <p:notesMasterIdLst>
-    <p:notesMasterId r:id="rId16"/>
+    <p:notesMasterId r:id="rId14"/>
   </p:notesMasterIdLst>
   <p:handoutMasterIdLst>
-    <p:handoutMasterId r:id="rId17"/>
+    <p:handoutMasterId r:id="rId15"/>
   </p:handoutMasterIdLst>
   <p:sldIdLst>
     <p:sldId id="256" r:id="rId2"/>
@@ -22,9 +22,7 @@
     <p:sldId id="469" r:id="rId10"/>
     <p:sldId id="470" r:id="rId11"/>
     <p:sldId id="471" r:id="rId12"/>
-    <p:sldId id="472" r:id="rId13"/>
-    <p:sldId id="473" r:id="rId14"/>
-    <p:sldId id="324" r:id="rId15"/>
+    <p:sldId id="324" r:id="rId13"/>
   </p:sldIdLst>
   <p:sldSz cx="9144000" cy="6858000" type="screen4x3"/>
   <p:notesSz cx="9144000" cy="6858000"/>
@@ -391,35 +389,6 @@
 </p:handoutMaster>
 </file>
 
-<file path=ppt/ink/ink1.xml><?xml version="1.0" encoding="utf-8"?>
-<inkml:ink xmlns:inkml="http://www.w3.org/2003/InkML">
-  <inkml:definitions>
-    <inkml:context xml:id="ctx0">
-      <inkml:inkSource xml:id="inkSrc0">
-        <inkml:traceFormat>
-          <inkml:channel name="X" type="integer" max="27760" units="cm"/>
-          <inkml:channel name="Y" type="integer" max="15694" units="cm"/>
-          <inkml:channel name="F" type="integer" max="255" units="dev"/>
-        </inkml:traceFormat>
-        <inkml:channelProperties>
-          <inkml:channelProperty channel="X" name="resolution" value="999.99994" units="1/cm"/>
-          <inkml:channelProperty channel="Y" name="resolution" value="999.99994" units="1/cm"/>
-          <inkml:channelProperty channel="F" name="resolution" value="0" units="1/dev"/>
-        </inkml:channelProperties>
-      </inkml:inkSource>
-      <inkml:timestamp xml:id="ts0" timeString="2015-04-29T12:25:05.365"/>
-    </inkml:context>
-    <inkml:brush xml:id="br0">
-      <inkml:brushProperty name="width" value="0.05292" units="cm"/>
-      <inkml:brushProperty name="height" value="0.05292" units="cm"/>
-      <inkml:brushProperty name="color" value="#00B050"/>
-    </inkml:brush>
-  </inkml:definitions>
-  <inkml:trace contextRef="#ctx0" brushRef="#br0">1217 15123 63,'-9'-18'35,"3"7"1,-4-1-1,10 12-24,-16-12-4,16 12-4,-12-6-1,12 6-2,0 0 1,0 0 0,0 0 0,0 0 1,15 11 0,4-8 0,7-3 0,12 3 1,7-6-1,13 2 1,7-3-2,8 0 1,4-5-1,4-2-1,-3-1 1,-3-5 0,-4 2-1,-7-3-1,-11 1 1,-8 3 0,-9 0 1,-9 5-1,-10 0 1,-17 9-1,0 0 1,-16-11-1,-8 4 0,-8-2 0,-6-4 0,-7-6 0,-3-3 0,2-2 1,3-2-1,7 3 0,5 0 0,8 1 0,11 5 0,12 5 0,13 5 0,13 3 0,12 4 0,5 1 0,9 4 1,1 4 0,2 2 0,-3 4-1,-9 4 0,-8 2 0,-15 5 0,-11 7 0,-14 5 0,-13 3 0,-13 2-2,-9 1 0,-3 3-3,-9-15-10,8 9-23,0-13-1,13-4-1,8-12 0</inkml:trace>
-  <inkml:trace contextRef="#ctx0" brushRef="#br0" timeOffset="5155.4843">2324 11939 80,'-9'-14'35,"-1"0"1,1 3-1,-5-3-28,14 14-1,-16-12-2,16 12-1,0 0-1,0 0 0,0 0-1,0 0 0,28 8 0,7-2 0,12-3 1,14-1-1,9-2 1,17-3 0,8-2 0,10-4-1,2 1-1,1-4 1,-4 1-1,-9 0 0,-9 0 0,-11 4 1,-14-2-1,-16 3 0,-12 0 0,-11 2 1,-11 2-1,-11 2 0,0 0-1,-11-17 1,-10 8 0,-8-2 0,-10-1 0,-8-4-1,-6 3 1,-5-1-1,2 0 0,5 4 0,8 6-1,12 2 1,20 7 0,20 6 1,23 3 0,20 1 1,17 7 0,11 0-1,7 1 1,3-1 1,-8-3-2,-13-2 1,-15-2-1,-15 1 1,-16-4-1,-19-1 0,-19-3-1,-20-2-1,-16 3-4,-21-14-10,-9 13-21,-15-3 0,-5 3-1,-1-2 0</inkml:trace>
-</inkml:ink>
-</file>
-
 <file path=ppt/notesMasters/notesMaster1.xml><?xml version="1.0" encoding="utf-8"?>
 <p:notesMaster xmlns:a="http://schemas.openxmlformats.org/drawingml/2006/main" xmlns:r="http://schemas.openxmlformats.org/officeDocument/2006/relationships" xmlns:p="http://schemas.openxmlformats.org/presentationml/2006/main">
   <p:cSld>
@@ -1358,7 +1327,7 @@
           <a:p>
             <a:fld id="{BC9B438B-24C1-3A48-8508-AE32B1634861}" type="datetime1">
               <a:rPr lang="en-US" smtClean="0"/>
-              <a:t>12/1/15</a:t>
+              <a:t>12/3/15</a:t>
             </a:fld>
             <a:endParaRPr lang="en-US"/>
           </a:p>
@@ -1555,7 +1524,7 @@
           <a:p>
             <a:fld id="{8C1B80CD-4AD2-CE44-9E82-68FB382749D0}" type="datetime1">
               <a:rPr lang="en-US" smtClean="0"/>
-              <a:t>12/1/15</a:t>
+              <a:t>12/3/15</a:t>
             </a:fld>
             <a:endParaRPr lang="en-US"/>
           </a:p>
@@ -1761,7 +1730,7 @@
           <a:p>
             <a:fld id="{51F5274D-2CBB-2443-8383-DE863D0EEB2C}" type="datetime1">
               <a:rPr lang="en-US" smtClean="0"/>
-              <a:t>12/1/15</a:t>
+              <a:t>12/3/15</a:t>
             </a:fld>
             <a:endParaRPr lang="en-US"/>
           </a:p>
@@ -2024,7 +1993,7 @@
           <a:p>
             <a:fld id="{F71B8D34-F3A7-B444-B4BE-AF3D4BE4957E}" type="datetime1">
               <a:rPr lang="en-US" smtClean="0"/>
-              <a:t>12/1/15</a:t>
+              <a:t>12/3/15</a:t>
             </a:fld>
             <a:endParaRPr lang="en-US"/>
           </a:p>
@@ -2287,7 +2256,7 @@
           <a:p>
             <a:fld id="{004293EC-1CAE-7240-9050-46B5F098E1D1}" type="datetime1">
               <a:rPr lang="en-US" smtClean="0"/>
-              <a:t>12/1/15</a:t>
+              <a:t>12/3/15</a:t>
             </a:fld>
             <a:endParaRPr lang="en-US"/>
           </a:p>
@@ -2483,7 +2452,7 @@
           <a:p>
             <a:fld id="{E3A8FDB1-60A9-C949-9D98-EC5671230A6D}" type="datetime1">
               <a:rPr lang="en-US" smtClean="0"/>
-              <a:t>12/1/15</a:t>
+              <a:t>12/3/15</a:t>
             </a:fld>
             <a:endParaRPr lang="en-US"/>
           </a:p>
@@ -2701,7 +2670,7 @@
           <a:p>
             <a:fld id="{B709B88D-D41D-5D45-B085-5947218AA664}" type="datetime1">
               <a:rPr lang="en-US" smtClean="0"/>
-              <a:t>12/1/15</a:t>
+              <a:t>12/3/15</a:t>
             </a:fld>
             <a:endParaRPr lang="en-US"/>
           </a:p>
@@ -3015,7 +2984,7 @@
           <a:p>
             <a:fld id="{DBC7AC07-18DB-474F-8325-01ED58B5E2BF}" type="datetime1">
               <a:rPr lang="en-US" smtClean="0"/>
-              <a:t>12/1/15</a:t>
+              <a:t>12/3/15</a:t>
             </a:fld>
             <a:endParaRPr lang="en-US"/>
           </a:p>
@@ -3468,7 +3437,7 @@
           <a:p>
             <a:fld id="{FE3B7E46-5084-4D4C-AFED-6CBA647049F7}" type="datetime1">
               <a:rPr lang="en-US" smtClean="0"/>
-              <a:t>12/1/15</a:t>
+              <a:t>12/3/15</a:t>
             </a:fld>
             <a:endParaRPr lang="en-US"/>
           </a:p>
@@ -3612,7 +3581,7 @@
           <a:p>
             <a:fld id="{E086857A-2EA8-774C-B2B9-B0EF2540C79F}" type="datetime1">
               <a:rPr lang="en-US" smtClean="0"/>
-              <a:t>12/1/15</a:t>
+              <a:t>12/3/15</a:t>
             </a:fld>
             <a:endParaRPr lang="en-US"/>
           </a:p>
@@ -3733,7 +3702,7 @@
           <a:p>
             <a:fld id="{A9D4EFAE-7E99-EA4B-A5EA-A0501571B698}" type="datetime1">
               <a:rPr lang="en-US" smtClean="0"/>
-              <a:t>12/1/15</a:t>
+              <a:t>12/3/15</a:t>
             </a:fld>
             <a:endParaRPr lang="en-US"/>
           </a:p>
@@ -4036,7 +4005,7 @@
           <a:p>
             <a:fld id="{E1A0EB09-0C7E-1E40-ADAF-2FCC45A59CFE}" type="datetime1">
               <a:rPr lang="en-US" smtClean="0"/>
-              <a:t>12/1/15</a:t>
+              <a:t>12/3/15</a:t>
             </a:fld>
             <a:endParaRPr lang="en-US"/>
           </a:p>
@@ -4316,7 +4285,7 @@
           <a:p>
             <a:fld id="{C811C8DD-9F67-4245-A4BA-7243B70BD7A3}" type="datetime1">
               <a:rPr lang="en-US" smtClean="0"/>
-              <a:t>12/1/15</a:t>
+              <a:t>12/3/15</a:t>
             </a:fld>
             <a:endParaRPr lang="en-US"/>
           </a:p>
@@ -4615,7 +4584,7 @@
           <a:p>
             <a:fld id="{86A79980-B4E1-8046-94F0-3F7FC004EEBC}" type="datetime1">
               <a:rPr lang="en-US" smtClean="0"/>
-              <a:t>12/1/15</a:t>
+              <a:t>12/3/15</a:t>
             </a:fld>
             <a:endParaRPr lang="en-US"/>
           </a:p>
@@ -6339,7 +6308,7 @@
                 <a:latin typeface="Garamond" charset="0"/>
                 <a:cs typeface="Arial" charset="0"/>
               </a:rPr>
-              <a:t>12/1/15</a:t>
+              <a:t>12/3/15</a:t>
             </a:fld>
             <a:endParaRPr lang="en-US" sz="1200">
               <a:latin typeface="Garamond" charset="0"/>
@@ -7740,7 +7709,7 @@
                 <a:latin typeface="Garamond" charset="0"/>
                 <a:cs typeface="Arial" charset="0"/>
               </a:rPr>
-              <a:t>12/1/15</a:t>
+              <a:t>12/3/15</a:t>
             </a:fld>
             <a:endParaRPr lang="en-US" sz="1200">
               <a:latin typeface="Garamond" charset="0"/>
@@ -7914,45 +7883,6 @@
           </a:p>
         </p:txBody>
       </p:sp>
-      <mc:AlternateContent xmlns:mc="http://schemas.openxmlformats.org/markup-compatibility/2006" xmlns:p14="http://schemas.microsoft.com/office/powerpoint/2010/main">
-        <mc:Choice Requires="p14">
-          <p:contentPart p14:bwMode="auto" r:id="rId2">
-            <p14:nvContentPartPr>
-              <p14:cNvPr id="2" name="Ink 1"/>
-              <p14:cNvContentPartPr/>
-              <p14:nvPr/>
-            </p14:nvContentPartPr>
-            <p14:xfrm>
-              <a:off x="419040" y="4200120"/>
-              <a:ext cx="942480" cy="1263240"/>
-            </p14:xfrm>
-          </p:contentPart>
-        </mc:Choice>
-        <mc:Fallback xmlns="">
-          <p:pic>
-            <p:nvPicPr>
-              <p:cNvPr id="2" name="Ink 1"/>
-              <p:cNvPicPr/>
-              <p:nvPr/>
-            </p:nvPicPr>
-            <p:blipFill>
-              <a:blip r:embed="rId3"/>
-              <a:stretch>
-                <a:fillRect/>
-              </a:stretch>
-            </p:blipFill>
-            <p:spPr>
-              <a:xfrm>
-                <a:off x="419040" y="4200120"/>
-                <a:ext cx="942480" cy="1263240"/>
-              </a:xfrm>
-              <a:prstGeom prst="rect">
-                <a:avLst/>
-              </a:prstGeom>
-            </p:spPr>
-          </p:pic>
-        </mc:Fallback>
-      </mc:AlternateContent>
     </p:spTree>
   </p:cSld>
   <p:clrMapOvr>
@@ -7987,2423 +7917,6 @@
       </p:grpSpPr>
       <p:sp>
         <p:nvSpPr>
-          <p:cNvPr id="14338" name="Title 1"/>
-          <p:cNvSpPr>
-            <a:spLocks noGrp="1"/>
-          </p:cNvSpPr>
-          <p:nvPr>
-            <p:ph type="title"/>
-          </p:nvPr>
-        </p:nvSpPr>
-        <p:spPr/>
-        <p:txBody>
-          <a:bodyPr/>
-          <a:lstStyle/>
-          <a:p>
-            <a:r>
-              <a:rPr lang="en-US">
-                <a:latin typeface="Garamond" charset="0"/>
-              </a:rPr>
-              <a:t>Deleting item from list</a:t>
-            </a:r>
-          </a:p>
-        </p:txBody>
-      </p:sp>
-      <p:sp>
-        <p:nvSpPr>
-          <p:cNvPr id="3" name="Content Placeholder 2"/>
-          <p:cNvSpPr>
-            <a:spLocks noGrp="1"/>
-          </p:cNvSpPr>
-          <p:nvPr>
-            <p:ph idx="1"/>
-          </p:nvPr>
-        </p:nvSpPr>
-        <p:spPr>
-          <a:extLst/>
-        </p:spPr>
-        <p:txBody>
-          <a:bodyPr>
-            <a:normAutofit fontScale="85000" lnSpcReduction="20000"/>
-          </a:bodyPr>
-          <a:lstStyle/>
-          <a:p>
-            <a:pPr marL="0" indent="0">
-              <a:buFont typeface="Wingdings" pitchFamily="2" charset="2"/>
-              <a:buNone/>
-              <a:defRPr/>
-            </a:pPr>
-            <a:r>
-              <a:rPr lang="en-US" sz="2800" b="1" dirty="0" err="1" smtClean="0">
-                <a:solidFill>
-                  <a:srgbClr val="2B91AF"/>
-                </a:solidFill>
-                <a:highlight>
-                  <a:srgbClr val="FFFFFF"/>
-                </a:highlight>
-                <a:latin typeface="Courier New" pitchFamily="49" charset="0"/>
-                <a:ea typeface="+mn-ea"/>
-                <a:cs typeface="Courier New" pitchFamily="49" charset="0"/>
-              </a:rPr>
-              <a:t>LLnode</a:t>
-            </a:r>
-            <a:r>
-              <a:rPr lang="en-US" sz="2800" b="1" dirty="0">
-                <a:solidFill>
-                  <a:srgbClr val="000000"/>
-                </a:solidFill>
-                <a:highlight>
-                  <a:srgbClr val="FFFFFF"/>
-                </a:highlight>
-                <a:latin typeface="Courier New" pitchFamily="49" charset="0"/>
-                <a:ea typeface="+mn-ea"/>
-                <a:cs typeface="Courier New" pitchFamily="49" charset="0"/>
-              </a:rPr>
-              <a:t> </a:t>
-            </a:r>
-            <a:r>
-              <a:rPr lang="en-US" sz="2800" b="1" dirty="0" smtClean="0">
-                <a:solidFill>
-                  <a:srgbClr val="000000"/>
-                </a:solidFill>
-                <a:highlight>
-                  <a:srgbClr val="FFFFFF"/>
-                </a:highlight>
-                <a:latin typeface="Courier New" pitchFamily="49" charset="0"/>
-                <a:ea typeface="+mn-ea"/>
-                <a:cs typeface="Courier New" pitchFamily="49" charset="0"/>
-              </a:rPr>
-              <a:t>*</a:t>
-            </a:r>
-            <a:r>
-              <a:rPr lang="en-US" sz="2800" b="1" dirty="0" err="1" smtClean="0">
-                <a:solidFill>
-                  <a:srgbClr val="000000"/>
-                </a:solidFill>
-                <a:highlight>
-                  <a:srgbClr val="FFFFFF"/>
-                </a:highlight>
-                <a:latin typeface="Courier New" pitchFamily="49" charset="0"/>
-                <a:ea typeface="+mn-ea"/>
-                <a:cs typeface="Courier New" pitchFamily="49" charset="0"/>
-              </a:rPr>
-              <a:t>delNode</a:t>
-            </a:r>
-            <a:r>
-              <a:rPr lang="en-US" sz="2800" b="1" dirty="0" smtClean="0">
-                <a:solidFill>
-                  <a:srgbClr val="000000"/>
-                </a:solidFill>
-                <a:highlight>
-                  <a:srgbClr val="FFFFFF"/>
-                </a:highlight>
-                <a:latin typeface="Courier New" pitchFamily="49" charset="0"/>
-                <a:ea typeface="+mn-ea"/>
-                <a:cs typeface="Courier New" pitchFamily="49" charset="0"/>
-              </a:rPr>
-              <a:t>(</a:t>
-            </a:r>
-            <a:r>
-              <a:rPr lang="en-US" sz="2800" b="1" dirty="0" err="1" smtClean="0">
-                <a:solidFill>
-                  <a:srgbClr val="2B91AF"/>
-                </a:solidFill>
-                <a:highlight>
-                  <a:srgbClr val="FFFFFF"/>
-                </a:highlight>
-                <a:latin typeface="Courier New" pitchFamily="49" charset="0"/>
-                <a:ea typeface="+mn-ea"/>
-                <a:cs typeface="Courier New" pitchFamily="49" charset="0"/>
-              </a:rPr>
-              <a:t>LLnode</a:t>
-            </a:r>
-            <a:r>
-              <a:rPr lang="en-US" sz="2800" b="1" dirty="0" smtClean="0">
-                <a:solidFill>
-                  <a:srgbClr val="000000"/>
-                </a:solidFill>
-                <a:highlight>
-                  <a:srgbClr val="FFFFFF"/>
-                </a:highlight>
-                <a:latin typeface="Courier New" pitchFamily="49" charset="0"/>
-                <a:ea typeface="+mn-ea"/>
-                <a:cs typeface="Courier New" pitchFamily="49" charset="0"/>
-              </a:rPr>
-              <a:t> </a:t>
-            </a:r>
-            <a:r>
-              <a:rPr lang="en-US" sz="2800" b="1" dirty="0">
-                <a:solidFill>
-                  <a:srgbClr val="000000"/>
-                </a:solidFill>
-                <a:highlight>
-                  <a:srgbClr val="FFFFFF"/>
-                </a:highlight>
-                <a:latin typeface="Courier New" pitchFamily="49" charset="0"/>
-                <a:ea typeface="+mn-ea"/>
-                <a:cs typeface="Courier New" pitchFamily="49" charset="0"/>
-              </a:rPr>
-              <a:t>*</a:t>
-            </a:r>
-            <a:r>
-              <a:rPr lang="en-US" sz="2800" b="1" dirty="0" smtClean="0">
-                <a:solidFill>
-                  <a:srgbClr val="808080"/>
-                </a:solidFill>
-                <a:highlight>
-                  <a:srgbClr val="FFFFFF"/>
-                </a:highlight>
-                <a:latin typeface="Courier New" pitchFamily="49" charset="0"/>
-                <a:ea typeface="+mn-ea"/>
-                <a:cs typeface="Courier New" pitchFamily="49" charset="0"/>
-              </a:rPr>
-              <a:t>list</a:t>
-            </a:r>
-            <a:r>
-              <a:rPr lang="en-US" sz="2800" b="1" dirty="0">
-                <a:solidFill>
-                  <a:srgbClr val="000000"/>
-                </a:solidFill>
-                <a:highlight>
-                  <a:srgbClr val="FFFFFF"/>
-                </a:highlight>
-                <a:latin typeface="Courier New" pitchFamily="49" charset="0"/>
-                <a:ea typeface="+mn-ea"/>
-                <a:cs typeface="Courier New" pitchFamily="49" charset="0"/>
-              </a:rPr>
-              <a:t>, </a:t>
-            </a:r>
-            <a:r>
-              <a:rPr lang="en-US" sz="2800" b="1" dirty="0" err="1" smtClean="0">
-                <a:solidFill>
-                  <a:srgbClr val="0000FF"/>
-                </a:solidFill>
-                <a:highlight>
-                  <a:srgbClr val="FFFFFF"/>
-                </a:highlight>
-                <a:latin typeface="Courier New" pitchFamily="49" charset="0"/>
-                <a:ea typeface="+mn-ea"/>
-                <a:cs typeface="Courier New" pitchFamily="49" charset="0"/>
-              </a:rPr>
-              <a:t>int</a:t>
-            </a:r>
-            <a:r>
-              <a:rPr lang="en-US" sz="2800" b="1" dirty="0">
-                <a:solidFill>
-                  <a:srgbClr val="000000"/>
-                </a:solidFill>
-                <a:highlight>
-                  <a:srgbClr val="FFFFFF"/>
-                </a:highlight>
-                <a:latin typeface="Courier New" pitchFamily="49" charset="0"/>
-                <a:ea typeface="+mn-ea"/>
-                <a:cs typeface="Courier New" pitchFamily="49" charset="0"/>
-              </a:rPr>
-              <a:t> </a:t>
-            </a:r>
-            <a:r>
-              <a:rPr lang="en-US" sz="2800" b="1" dirty="0" smtClean="0">
-                <a:solidFill>
-                  <a:srgbClr val="808080"/>
-                </a:solidFill>
-                <a:highlight>
-                  <a:srgbClr val="FFFFFF"/>
-                </a:highlight>
-                <a:latin typeface="Courier New" pitchFamily="49" charset="0"/>
-                <a:ea typeface="+mn-ea"/>
-                <a:cs typeface="Courier New" pitchFamily="49" charset="0"/>
-              </a:rPr>
-              <a:t>v</a:t>
-            </a:r>
-            <a:r>
-              <a:rPr lang="en-US" sz="2800" b="1" dirty="0" smtClean="0">
-                <a:solidFill>
-                  <a:srgbClr val="000000"/>
-                </a:solidFill>
-                <a:highlight>
-                  <a:srgbClr val="FFFFFF"/>
-                </a:highlight>
-                <a:latin typeface="Courier New" pitchFamily="49" charset="0"/>
-                <a:ea typeface="+mn-ea"/>
-                <a:cs typeface="Courier New" pitchFamily="49" charset="0"/>
-              </a:rPr>
-              <a:t>)</a:t>
-            </a:r>
-          </a:p>
-          <a:p>
-            <a:pPr marL="0" indent="0">
-              <a:buFont typeface="Wingdings" pitchFamily="2" charset="2"/>
-              <a:buNone/>
-              <a:defRPr/>
-            </a:pPr>
-            <a:endParaRPr lang="en-US" sz="2800" dirty="0" smtClean="0">
-              <a:ea typeface="+mn-ea"/>
-            </a:endParaRPr>
-          </a:p>
-          <a:p>
-            <a:pPr marL="514350" indent="-514350">
-              <a:buFont typeface="+mj-lt"/>
-              <a:buAutoNum type="arabicPeriod"/>
-              <a:defRPr/>
-            </a:pPr>
-            <a:r>
-              <a:rPr lang="en-US" dirty="0" smtClean="0">
-                <a:ea typeface="+mn-ea"/>
-              </a:rPr>
-              <a:t>Need two pointers--one for current item, one for previous</a:t>
-            </a:r>
-          </a:p>
-          <a:p>
-            <a:pPr marL="344487" lvl="1" indent="0">
-              <a:buFont typeface="Wingdings" pitchFamily="2" charset="2"/>
-              <a:buNone/>
-              <a:defRPr/>
-            </a:pPr>
-            <a:r>
-              <a:rPr lang="en-US" sz="2800" b="1" dirty="0" err="1" smtClean="0">
-                <a:solidFill>
-                  <a:srgbClr val="2B91AF"/>
-                </a:solidFill>
-                <a:highlight>
-                  <a:srgbClr val="FFFFFF"/>
-                </a:highlight>
-                <a:latin typeface="Courier New" panose="02070309020205020404" pitchFamily="49" charset="0"/>
-                <a:cs typeface="Courier New" panose="02070309020205020404" pitchFamily="49" charset="0"/>
-              </a:rPr>
-              <a:t>LLnode</a:t>
-            </a:r>
-            <a:r>
-              <a:rPr lang="en-US" sz="2800" b="1" dirty="0" smtClean="0">
-                <a:solidFill>
-                  <a:srgbClr val="000000"/>
-                </a:solidFill>
-                <a:highlight>
-                  <a:srgbClr val="FFFFFF"/>
-                </a:highlight>
-                <a:latin typeface="Courier New" panose="02070309020205020404" pitchFamily="49" charset="0"/>
-                <a:cs typeface="Courier New" panose="02070309020205020404" pitchFamily="49" charset="0"/>
-              </a:rPr>
-              <a:t> </a:t>
-            </a:r>
-            <a:r>
-              <a:rPr lang="en-US" sz="2800" b="1" dirty="0">
-                <a:solidFill>
-                  <a:srgbClr val="000000"/>
-                </a:solidFill>
-                <a:highlight>
-                  <a:srgbClr val="FFFFFF"/>
-                </a:highlight>
-                <a:latin typeface="Courier New" panose="02070309020205020404" pitchFamily="49" charset="0"/>
-                <a:cs typeface="Courier New" panose="02070309020205020404" pitchFamily="49" charset="0"/>
-              </a:rPr>
-              <a:t>*cur = </a:t>
-            </a:r>
-            <a:r>
-              <a:rPr lang="en-US" sz="2800" b="1" dirty="0" smtClean="0">
-                <a:solidFill>
-                  <a:srgbClr val="808080"/>
-                </a:solidFill>
-                <a:highlight>
-                  <a:srgbClr val="FFFFFF"/>
-                </a:highlight>
-                <a:latin typeface="Courier New" panose="02070309020205020404" pitchFamily="49" charset="0"/>
-                <a:cs typeface="Courier New" panose="02070309020205020404" pitchFamily="49" charset="0"/>
-              </a:rPr>
-              <a:t>list</a:t>
-            </a:r>
-            <a:r>
-              <a:rPr lang="en-US" sz="2800" b="1" dirty="0" smtClean="0">
-                <a:solidFill>
-                  <a:srgbClr val="000000"/>
-                </a:solidFill>
-                <a:highlight>
-                  <a:srgbClr val="FFFFFF"/>
-                </a:highlight>
-                <a:latin typeface="Courier New" panose="02070309020205020404" pitchFamily="49" charset="0"/>
-                <a:cs typeface="Courier New" panose="02070309020205020404" pitchFamily="49" charset="0"/>
-              </a:rPr>
-              <a:t>;</a:t>
-            </a:r>
-            <a:endParaRPr lang="en-US" sz="2800" b="1" dirty="0">
-              <a:solidFill>
-                <a:srgbClr val="000000"/>
-              </a:solidFill>
-              <a:highlight>
-                <a:srgbClr val="FFFFFF"/>
-              </a:highlight>
-              <a:latin typeface="Courier New" panose="02070309020205020404" pitchFamily="49" charset="0"/>
-              <a:cs typeface="Courier New" panose="02070309020205020404" pitchFamily="49" charset="0"/>
-            </a:endParaRPr>
-          </a:p>
-          <a:p>
-            <a:pPr marL="344487" lvl="1" indent="0">
-              <a:buFont typeface="Wingdings" pitchFamily="2" charset="2"/>
-              <a:buNone/>
-              <a:defRPr/>
-            </a:pPr>
-            <a:r>
-              <a:rPr lang="en-US" sz="2800" b="1" dirty="0" err="1" smtClean="0">
-                <a:solidFill>
-                  <a:srgbClr val="2B91AF"/>
-                </a:solidFill>
-                <a:highlight>
-                  <a:srgbClr val="FFFFFF"/>
-                </a:highlight>
-                <a:latin typeface="Courier New" panose="02070309020205020404" pitchFamily="49" charset="0"/>
-                <a:cs typeface="Courier New" panose="02070309020205020404" pitchFamily="49" charset="0"/>
-              </a:rPr>
-              <a:t>LLnode</a:t>
-            </a:r>
-            <a:r>
-              <a:rPr lang="en-US" sz="2800" b="1" dirty="0">
-                <a:solidFill>
-                  <a:srgbClr val="000000"/>
-                </a:solidFill>
-                <a:highlight>
-                  <a:srgbClr val="FFFFFF"/>
-                </a:highlight>
-                <a:latin typeface="Courier New" panose="02070309020205020404" pitchFamily="49" charset="0"/>
-                <a:cs typeface="Courier New" panose="02070309020205020404" pitchFamily="49" charset="0"/>
-              </a:rPr>
-              <a:t> *</a:t>
-            </a:r>
-            <a:r>
-              <a:rPr lang="en-US" sz="2800" b="1" dirty="0" err="1">
-                <a:solidFill>
-                  <a:srgbClr val="000000"/>
-                </a:solidFill>
-                <a:highlight>
-                  <a:srgbClr val="FFFFFF"/>
-                </a:highlight>
-                <a:latin typeface="Courier New" panose="02070309020205020404" pitchFamily="49" charset="0"/>
-                <a:cs typeface="Courier New" panose="02070309020205020404" pitchFamily="49" charset="0"/>
-              </a:rPr>
-              <a:t>prev</a:t>
-            </a:r>
-            <a:r>
-              <a:rPr lang="en-US" sz="2800" b="1" dirty="0">
-                <a:solidFill>
-                  <a:srgbClr val="000000"/>
-                </a:solidFill>
-                <a:highlight>
-                  <a:srgbClr val="FFFFFF"/>
-                </a:highlight>
-                <a:latin typeface="Courier New" panose="02070309020205020404" pitchFamily="49" charset="0"/>
-                <a:cs typeface="Courier New" panose="02070309020205020404" pitchFamily="49" charset="0"/>
-              </a:rPr>
-              <a:t> = </a:t>
-            </a:r>
-            <a:r>
-              <a:rPr lang="en-US" sz="2800" b="1" dirty="0" smtClean="0">
-                <a:solidFill>
-                  <a:srgbClr val="6F008A"/>
-                </a:solidFill>
-                <a:highlight>
-                  <a:srgbClr val="FFFFFF"/>
-                </a:highlight>
-                <a:latin typeface="Courier New" panose="02070309020205020404" pitchFamily="49" charset="0"/>
-                <a:cs typeface="Courier New" panose="02070309020205020404" pitchFamily="49" charset="0"/>
-              </a:rPr>
-              <a:t>NULL</a:t>
-            </a:r>
-            <a:r>
-              <a:rPr lang="en-US" sz="2800" b="1" dirty="0">
-                <a:solidFill>
-                  <a:srgbClr val="000000"/>
-                </a:solidFill>
-                <a:highlight>
-                  <a:srgbClr val="FFFFFF"/>
-                </a:highlight>
-                <a:latin typeface="Courier New" panose="02070309020205020404" pitchFamily="49" charset="0"/>
-                <a:cs typeface="Courier New" panose="02070309020205020404" pitchFamily="49" charset="0"/>
-              </a:rPr>
-              <a:t>;</a:t>
-            </a:r>
-            <a:endParaRPr lang="en-US" sz="4400" b="1" dirty="0" smtClean="0">
-              <a:latin typeface="Courier New" panose="02070309020205020404" pitchFamily="49" charset="0"/>
-              <a:cs typeface="Courier New" panose="02070309020205020404" pitchFamily="49" charset="0"/>
-            </a:endParaRPr>
-          </a:p>
-          <a:p>
-            <a:pPr marL="514350" indent="-514350">
-              <a:buFont typeface="+mj-lt"/>
-              <a:buAutoNum type="arabicPeriod"/>
-              <a:defRPr/>
-            </a:pPr>
-            <a:r>
-              <a:rPr lang="en-US" dirty="0" smtClean="0">
-                <a:ea typeface="+mn-ea"/>
-              </a:rPr>
-              <a:t>Search list until you either find item or hit end, moving both pointers each time</a:t>
-            </a:r>
-          </a:p>
-          <a:p>
-            <a:pPr marL="344487" lvl="1" indent="0">
-              <a:buFont typeface="Wingdings" pitchFamily="2" charset="2"/>
-              <a:buNone/>
-              <a:defRPr/>
-            </a:pPr>
-            <a:r>
-              <a:rPr lang="en-US" sz="2800" b="1" dirty="0" smtClean="0">
-                <a:solidFill>
-                  <a:srgbClr val="0000FF"/>
-                </a:solidFill>
-                <a:highlight>
-                  <a:srgbClr val="FFFFFF"/>
-                </a:highlight>
-                <a:latin typeface="Courier New" panose="02070309020205020404" pitchFamily="49" charset="0"/>
-                <a:cs typeface="Courier New" panose="02070309020205020404" pitchFamily="49" charset="0"/>
-              </a:rPr>
-              <a:t>while</a:t>
-            </a:r>
-            <a:r>
-              <a:rPr lang="en-US" sz="2800" b="1" dirty="0">
-                <a:solidFill>
-                  <a:srgbClr val="000000"/>
-                </a:solidFill>
-                <a:highlight>
-                  <a:srgbClr val="FFFFFF"/>
-                </a:highlight>
-                <a:latin typeface="Courier New" panose="02070309020205020404" pitchFamily="49" charset="0"/>
-                <a:cs typeface="Courier New" panose="02070309020205020404" pitchFamily="49" charset="0"/>
-              </a:rPr>
-              <a:t> ((cur != </a:t>
-            </a:r>
-            <a:r>
-              <a:rPr lang="en-US" sz="2800" b="1" dirty="0" smtClean="0">
-                <a:solidFill>
-                  <a:srgbClr val="6F008A"/>
-                </a:solidFill>
-                <a:highlight>
-                  <a:srgbClr val="FFFFFF"/>
-                </a:highlight>
-                <a:latin typeface="Courier New" panose="02070309020205020404" pitchFamily="49" charset="0"/>
-                <a:cs typeface="Courier New" panose="02070309020205020404" pitchFamily="49" charset="0"/>
-              </a:rPr>
-              <a:t>NULL</a:t>
-            </a:r>
-            <a:r>
-              <a:rPr lang="en-US" sz="2800" b="1" dirty="0">
-                <a:solidFill>
-                  <a:srgbClr val="000000"/>
-                </a:solidFill>
-                <a:highlight>
-                  <a:srgbClr val="FFFFFF"/>
-                </a:highlight>
-                <a:latin typeface="Courier New" panose="02070309020205020404" pitchFamily="49" charset="0"/>
-                <a:cs typeface="Courier New" panose="02070309020205020404" pitchFamily="49" charset="0"/>
-              </a:rPr>
-              <a:t>) &amp;&amp; (cur-&gt;value != </a:t>
-            </a:r>
-            <a:r>
-              <a:rPr lang="en-US" sz="2800" b="1" dirty="0" smtClean="0">
-                <a:solidFill>
-                  <a:srgbClr val="808080"/>
-                </a:solidFill>
-                <a:highlight>
-                  <a:srgbClr val="FFFFFF"/>
-                </a:highlight>
-                <a:latin typeface="Courier New" panose="02070309020205020404" pitchFamily="49" charset="0"/>
-                <a:cs typeface="Courier New" panose="02070309020205020404" pitchFamily="49" charset="0"/>
-              </a:rPr>
-              <a:t>v</a:t>
-            </a:r>
-            <a:r>
-              <a:rPr lang="en-US" sz="2800" b="1" dirty="0">
-                <a:solidFill>
-                  <a:srgbClr val="000000"/>
-                </a:solidFill>
-                <a:highlight>
-                  <a:srgbClr val="FFFFFF"/>
-                </a:highlight>
-                <a:latin typeface="Courier New" panose="02070309020205020404" pitchFamily="49" charset="0"/>
-                <a:cs typeface="Courier New" panose="02070309020205020404" pitchFamily="49" charset="0"/>
-              </a:rPr>
-              <a:t>)) {</a:t>
-            </a:r>
-          </a:p>
-          <a:p>
-            <a:pPr marL="344487" lvl="1" indent="0">
-              <a:buFont typeface="Wingdings" pitchFamily="2" charset="2"/>
-              <a:buNone/>
-              <a:defRPr/>
-            </a:pPr>
-            <a:r>
-              <a:rPr lang="en-US" sz="2800" b="1" dirty="0" smtClean="0">
-                <a:solidFill>
-                  <a:srgbClr val="000000"/>
-                </a:solidFill>
-                <a:highlight>
-                  <a:srgbClr val="FFFFFF"/>
-                </a:highlight>
-                <a:latin typeface="Courier New" panose="02070309020205020404" pitchFamily="49" charset="0"/>
-                <a:cs typeface="Courier New" panose="02070309020205020404" pitchFamily="49" charset="0"/>
-              </a:rPr>
-              <a:t>	</a:t>
-            </a:r>
-            <a:r>
-              <a:rPr lang="en-US" sz="2800" b="1" dirty="0" err="1" smtClean="0">
-                <a:solidFill>
-                  <a:srgbClr val="000000"/>
-                </a:solidFill>
-                <a:highlight>
-                  <a:srgbClr val="FFFFFF"/>
-                </a:highlight>
-                <a:latin typeface="Courier New" panose="02070309020205020404" pitchFamily="49" charset="0"/>
-                <a:cs typeface="Courier New" panose="02070309020205020404" pitchFamily="49" charset="0"/>
-              </a:rPr>
-              <a:t>prev</a:t>
-            </a:r>
-            <a:r>
-              <a:rPr lang="en-US" sz="2800" b="1" dirty="0" smtClean="0">
-                <a:solidFill>
-                  <a:srgbClr val="000000"/>
-                </a:solidFill>
-                <a:highlight>
-                  <a:srgbClr val="FFFFFF"/>
-                </a:highlight>
-                <a:latin typeface="Courier New" panose="02070309020205020404" pitchFamily="49" charset="0"/>
-                <a:cs typeface="Courier New" panose="02070309020205020404" pitchFamily="49" charset="0"/>
-              </a:rPr>
-              <a:t> </a:t>
-            </a:r>
-            <a:r>
-              <a:rPr lang="en-US" sz="2800" b="1" dirty="0">
-                <a:solidFill>
-                  <a:srgbClr val="000000"/>
-                </a:solidFill>
-                <a:highlight>
-                  <a:srgbClr val="FFFFFF"/>
-                </a:highlight>
-                <a:latin typeface="Courier New" panose="02070309020205020404" pitchFamily="49" charset="0"/>
-                <a:cs typeface="Courier New" panose="02070309020205020404" pitchFamily="49" charset="0"/>
-              </a:rPr>
-              <a:t>= cur;</a:t>
-            </a:r>
-          </a:p>
-          <a:p>
-            <a:pPr marL="344487" lvl="1" indent="0">
-              <a:buFont typeface="Wingdings" pitchFamily="2" charset="2"/>
-              <a:buNone/>
-              <a:defRPr/>
-            </a:pPr>
-            <a:r>
-              <a:rPr lang="en-US" sz="2800" b="1" dirty="0" smtClean="0">
-                <a:solidFill>
-                  <a:srgbClr val="000000"/>
-                </a:solidFill>
-                <a:highlight>
-                  <a:srgbClr val="FFFFFF"/>
-                </a:highlight>
-                <a:latin typeface="Courier New" panose="02070309020205020404" pitchFamily="49" charset="0"/>
-                <a:cs typeface="Courier New" panose="02070309020205020404" pitchFamily="49" charset="0"/>
-              </a:rPr>
-              <a:t>	cur </a:t>
-            </a:r>
-            <a:r>
-              <a:rPr lang="en-US" sz="2800" b="1" dirty="0">
-                <a:solidFill>
-                  <a:srgbClr val="000000"/>
-                </a:solidFill>
-                <a:highlight>
-                  <a:srgbClr val="FFFFFF"/>
-                </a:highlight>
-                <a:latin typeface="Courier New" panose="02070309020205020404" pitchFamily="49" charset="0"/>
-                <a:cs typeface="Courier New" panose="02070309020205020404" pitchFamily="49" charset="0"/>
-              </a:rPr>
-              <a:t>= cur-&gt;next;</a:t>
-            </a:r>
-          </a:p>
-          <a:p>
-            <a:pPr marL="344487" lvl="1" indent="0">
-              <a:buFont typeface="Wingdings" pitchFamily="2" charset="2"/>
-              <a:buNone/>
-              <a:defRPr/>
-            </a:pPr>
-            <a:r>
-              <a:rPr lang="en-US" sz="2800" b="1" dirty="0">
-                <a:solidFill>
-                  <a:srgbClr val="000000"/>
-                </a:solidFill>
-                <a:highlight>
-                  <a:srgbClr val="FFFFFF"/>
-                </a:highlight>
-                <a:latin typeface="Courier New" panose="02070309020205020404" pitchFamily="49" charset="0"/>
-                <a:cs typeface="Courier New" panose="02070309020205020404" pitchFamily="49" charset="0"/>
-              </a:rPr>
-              <a:t>}</a:t>
-            </a:r>
-            <a:endParaRPr lang="en-US" b="1" dirty="0" smtClean="0">
-              <a:latin typeface="Courier New" panose="02070309020205020404" pitchFamily="49" charset="0"/>
-              <a:cs typeface="Courier New" panose="02070309020205020404" pitchFamily="49" charset="0"/>
-            </a:endParaRPr>
-          </a:p>
-          <a:p>
-            <a:pPr marL="514350" indent="-514350">
-              <a:buFont typeface="+mj-lt"/>
-              <a:buAutoNum type="arabicPeriod"/>
-              <a:defRPr/>
-            </a:pPr>
-            <a:endParaRPr lang="en-US" dirty="0" smtClean="0">
-              <a:ea typeface="+mn-ea"/>
-            </a:endParaRPr>
-          </a:p>
-        </p:txBody>
-      </p:sp>
-      <p:sp>
-        <p:nvSpPr>
-          <p:cNvPr id="14340" name="Date Placeholder 3"/>
-          <p:cNvSpPr>
-            <a:spLocks noGrp="1"/>
-          </p:cNvSpPr>
-          <p:nvPr>
-            <p:ph type="dt" sz="quarter" idx="10"/>
-          </p:nvPr>
-        </p:nvSpPr>
-        <p:spPr>
-          <a:noFill/>
-          <a:ln/>
-          <a:extLst>
-            <a:ext uri="{909E8E84-426E-40dd-AFC4-6F175D3DCCD1}">
-              <a14:hiddenFill xmlns:a14="http://schemas.microsoft.com/office/drawing/2010/main">
-                <a:solidFill>
-                  <a:srgbClr val="FFFFFF"/>
-                </a:solidFill>
-              </a14:hiddenFill>
-            </a:ext>
-            <a:ext uri="{91240B29-F687-4f45-9708-019B960494DF}">
-              <a14:hiddenLine xmlns:a14="http://schemas.microsoft.com/office/drawing/2010/main" w="9525">
-                <a:solidFill>
-                  <a:srgbClr val="000000"/>
-                </a:solidFill>
-                <a:miter lim="800000"/>
-                <a:headEnd/>
-                <a:tailEnd/>
-              </a14:hiddenLine>
-            </a:ext>
-          </a:extLst>
-        </p:spPr>
-        <p:txBody>
-          <a:bodyPr/>
-          <a:lstStyle>
-            <a:lvl1pPr>
-              <a:defRPr sz="3000">
-                <a:solidFill>
-                  <a:schemeClr val="tx1"/>
-                </a:solidFill>
-                <a:latin typeface="Arial" charset="0"/>
-                <a:ea typeface="ＭＳ Ｐゴシック" charset="0"/>
-                <a:cs typeface="ＭＳ Ｐゴシック" charset="0"/>
-              </a:defRPr>
-            </a:lvl1pPr>
-            <a:lvl2pPr marL="742950" indent="-285750">
-              <a:defRPr sz="2600">
-                <a:solidFill>
-                  <a:schemeClr val="tx1"/>
-                </a:solidFill>
-                <a:latin typeface="Arial" charset="0"/>
-                <a:ea typeface="ＭＳ Ｐゴシック" charset="0"/>
-              </a:defRPr>
-            </a:lvl2pPr>
-            <a:lvl3pPr marL="1143000" indent="-228600">
-              <a:defRPr sz="2200">
-                <a:solidFill>
-                  <a:schemeClr val="tx1"/>
-                </a:solidFill>
-                <a:latin typeface="Arial" charset="0"/>
-                <a:ea typeface="ＭＳ Ｐゴシック" charset="0"/>
-              </a:defRPr>
-            </a:lvl3pPr>
-            <a:lvl4pPr marL="1600200" indent="-228600">
-              <a:defRPr sz="2000">
-                <a:solidFill>
-                  <a:schemeClr val="tx1"/>
-                </a:solidFill>
-                <a:latin typeface="Arial" charset="0"/>
-                <a:ea typeface="ＭＳ Ｐゴシック" charset="0"/>
-              </a:defRPr>
-            </a:lvl4pPr>
-            <a:lvl5pPr marL="2057400" indent="-228600">
-              <a:defRPr sz="2000">
-                <a:solidFill>
-                  <a:schemeClr val="tx1"/>
-                </a:solidFill>
-                <a:latin typeface="Arial" charset="0"/>
-                <a:ea typeface="ＭＳ Ｐゴシック" charset="0"/>
-              </a:defRPr>
-            </a:lvl5pPr>
-            <a:lvl6pPr marL="2514600" indent="-228600" eaLnBrk="0" hangingPunct="0">
-              <a:buFont typeface="Wingdings" charset="0"/>
-              <a:defRPr sz="2000">
-                <a:solidFill>
-                  <a:schemeClr val="tx1"/>
-                </a:solidFill>
-                <a:latin typeface="Arial" charset="0"/>
-                <a:ea typeface="ＭＳ Ｐゴシック" charset="0"/>
-              </a:defRPr>
-            </a:lvl6pPr>
-            <a:lvl7pPr marL="2971800" indent="-228600" eaLnBrk="0" hangingPunct="0">
-              <a:buFont typeface="Wingdings" charset="0"/>
-              <a:defRPr sz="2000">
-                <a:solidFill>
-                  <a:schemeClr val="tx1"/>
-                </a:solidFill>
-                <a:latin typeface="Arial" charset="0"/>
-                <a:ea typeface="ＭＳ Ｐゴシック" charset="0"/>
-              </a:defRPr>
-            </a:lvl7pPr>
-            <a:lvl8pPr marL="3429000" indent="-228600" eaLnBrk="0" hangingPunct="0">
-              <a:buFont typeface="Wingdings" charset="0"/>
-              <a:defRPr sz="2000">
-                <a:solidFill>
-                  <a:schemeClr val="tx1"/>
-                </a:solidFill>
-                <a:latin typeface="Arial" charset="0"/>
-                <a:ea typeface="ＭＳ Ｐゴシック" charset="0"/>
-              </a:defRPr>
-            </a:lvl8pPr>
-            <a:lvl9pPr marL="3886200" indent="-228600" eaLnBrk="0" hangingPunct="0">
-              <a:buFont typeface="Wingdings" charset="0"/>
-              <a:defRPr sz="2000">
-                <a:solidFill>
-                  <a:schemeClr val="tx1"/>
-                </a:solidFill>
-                <a:latin typeface="Arial" charset="0"/>
-                <a:ea typeface="ＭＳ Ｐゴシック" charset="0"/>
-              </a:defRPr>
-            </a:lvl9pPr>
-          </a:lstStyle>
-          <a:p>
-            <a:fld id="{DDFD726A-6017-0148-9232-AD071C5426B3}" type="datetime1">
-              <a:rPr lang="en-US" sz="1200" smtClean="0">
-                <a:latin typeface="Garamond" charset="0"/>
-                <a:cs typeface="Arial" charset="0"/>
-              </a:rPr>
-              <a:t>12/1/15</a:t>
-            </a:fld>
-            <a:endParaRPr lang="en-US" sz="1200">
-              <a:latin typeface="Garamond" charset="0"/>
-              <a:cs typeface="Arial" charset="0"/>
-            </a:endParaRPr>
-          </a:p>
-        </p:txBody>
-      </p:sp>
-      <p:sp>
-        <p:nvSpPr>
-          <p:cNvPr id="5" name="Footer Placeholder 4"/>
-          <p:cNvSpPr>
-            <a:spLocks noGrp="1"/>
-          </p:cNvSpPr>
-          <p:nvPr>
-            <p:ph type="ftr" sz="quarter" idx="11"/>
-          </p:nvPr>
-        </p:nvSpPr>
-        <p:spPr/>
-        <p:txBody>
-          <a:bodyPr/>
-          <a:lstStyle/>
-          <a:p>
-            <a:pPr>
-              <a:defRPr/>
-            </a:pPr>
-            <a:r>
-              <a:rPr lang="en-US" altLang="en-US" smtClean="0"/>
-              <a:t>ECE Application Programming: Lecture 34</a:t>
-            </a:r>
-            <a:endParaRPr lang="en-US" altLang="en-US"/>
-          </a:p>
-        </p:txBody>
-      </p:sp>
-      <p:sp>
-        <p:nvSpPr>
-          <p:cNvPr id="14342" name="Slide Number Placeholder 5"/>
-          <p:cNvSpPr>
-            <a:spLocks noGrp="1"/>
-          </p:cNvSpPr>
-          <p:nvPr>
-            <p:ph type="sldNum" sz="quarter" idx="12"/>
-          </p:nvPr>
-        </p:nvSpPr>
-        <p:spPr>
-          <a:noFill/>
-          <a:ln/>
-          <a:extLst>
-            <a:ext uri="{909E8E84-426E-40dd-AFC4-6F175D3DCCD1}">
-              <a14:hiddenFill xmlns:a14="http://schemas.microsoft.com/office/drawing/2010/main">
-                <a:solidFill>
-                  <a:srgbClr val="FFFFFF"/>
-                </a:solidFill>
-              </a14:hiddenFill>
-            </a:ext>
-            <a:ext uri="{91240B29-F687-4f45-9708-019B960494DF}">
-              <a14:hiddenLine xmlns:a14="http://schemas.microsoft.com/office/drawing/2010/main" w="9525">
-                <a:solidFill>
-                  <a:srgbClr val="000000"/>
-                </a:solidFill>
-                <a:miter lim="800000"/>
-                <a:headEnd/>
-                <a:tailEnd/>
-              </a14:hiddenLine>
-            </a:ext>
-          </a:extLst>
-        </p:spPr>
-        <p:txBody>
-          <a:bodyPr/>
-          <a:lstStyle>
-            <a:lvl1pPr>
-              <a:defRPr sz="3000">
-                <a:solidFill>
-                  <a:schemeClr val="tx1"/>
-                </a:solidFill>
-                <a:latin typeface="Arial" charset="0"/>
-                <a:ea typeface="ＭＳ Ｐゴシック" charset="0"/>
-                <a:cs typeface="ＭＳ Ｐゴシック" charset="0"/>
-              </a:defRPr>
-            </a:lvl1pPr>
-            <a:lvl2pPr marL="742950" indent="-285750">
-              <a:defRPr sz="2600">
-                <a:solidFill>
-                  <a:schemeClr val="tx1"/>
-                </a:solidFill>
-                <a:latin typeface="Arial" charset="0"/>
-                <a:ea typeface="ＭＳ Ｐゴシック" charset="0"/>
-              </a:defRPr>
-            </a:lvl2pPr>
-            <a:lvl3pPr marL="1143000" indent="-228600">
-              <a:defRPr sz="2200">
-                <a:solidFill>
-                  <a:schemeClr val="tx1"/>
-                </a:solidFill>
-                <a:latin typeface="Arial" charset="0"/>
-                <a:ea typeface="ＭＳ Ｐゴシック" charset="0"/>
-              </a:defRPr>
-            </a:lvl3pPr>
-            <a:lvl4pPr marL="1600200" indent="-228600">
-              <a:defRPr sz="2000">
-                <a:solidFill>
-                  <a:schemeClr val="tx1"/>
-                </a:solidFill>
-                <a:latin typeface="Arial" charset="0"/>
-                <a:ea typeface="ＭＳ Ｐゴシック" charset="0"/>
-              </a:defRPr>
-            </a:lvl4pPr>
-            <a:lvl5pPr marL="2057400" indent="-228600">
-              <a:defRPr sz="2000">
-                <a:solidFill>
-                  <a:schemeClr val="tx1"/>
-                </a:solidFill>
-                <a:latin typeface="Arial" charset="0"/>
-                <a:ea typeface="ＭＳ Ｐゴシック" charset="0"/>
-              </a:defRPr>
-            </a:lvl5pPr>
-            <a:lvl6pPr marL="2514600" indent="-228600" eaLnBrk="0" hangingPunct="0">
-              <a:buFont typeface="Wingdings" charset="0"/>
-              <a:defRPr sz="2000">
-                <a:solidFill>
-                  <a:schemeClr val="tx1"/>
-                </a:solidFill>
-                <a:latin typeface="Arial" charset="0"/>
-                <a:ea typeface="ＭＳ Ｐゴシック" charset="0"/>
-              </a:defRPr>
-            </a:lvl6pPr>
-            <a:lvl7pPr marL="2971800" indent="-228600" eaLnBrk="0" hangingPunct="0">
-              <a:buFont typeface="Wingdings" charset="0"/>
-              <a:defRPr sz="2000">
-                <a:solidFill>
-                  <a:schemeClr val="tx1"/>
-                </a:solidFill>
-                <a:latin typeface="Arial" charset="0"/>
-                <a:ea typeface="ＭＳ Ｐゴシック" charset="0"/>
-              </a:defRPr>
-            </a:lvl7pPr>
-            <a:lvl8pPr marL="3429000" indent="-228600" eaLnBrk="0" hangingPunct="0">
-              <a:buFont typeface="Wingdings" charset="0"/>
-              <a:defRPr sz="2000">
-                <a:solidFill>
-                  <a:schemeClr val="tx1"/>
-                </a:solidFill>
-                <a:latin typeface="Arial" charset="0"/>
-                <a:ea typeface="ＭＳ Ｐゴシック" charset="0"/>
-              </a:defRPr>
-            </a:lvl8pPr>
-            <a:lvl9pPr marL="3886200" indent="-228600" eaLnBrk="0" hangingPunct="0">
-              <a:buFont typeface="Wingdings" charset="0"/>
-              <a:defRPr sz="2000">
-                <a:solidFill>
-                  <a:schemeClr val="tx1"/>
-                </a:solidFill>
-                <a:latin typeface="Arial" charset="0"/>
-                <a:ea typeface="ＭＳ Ｐゴシック" charset="0"/>
-              </a:defRPr>
-            </a:lvl9pPr>
-          </a:lstStyle>
-          <a:p>
-            <a:fld id="{D0C862AC-6BE6-6141-B859-DF5404F1B47C}" type="slidenum">
-              <a:rPr lang="en-US" sz="1200">
-                <a:latin typeface="Garamond" charset="0"/>
-                <a:cs typeface="Arial" charset="0"/>
-              </a:rPr>
-              <a:pPr/>
-              <a:t>12</a:t>
-            </a:fld>
-            <a:endParaRPr lang="en-US" sz="1200">
-              <a:latin typeface="Garamond" charset="0"/>
-              <a:cs typeface="Arial" charset="0"/>
-            </a:endParaRPr>
-          </a:p>
-        </p:txBody>
-      </p:sp>
-    </p:spTree>
-  </p:cSld>
-  <p:clrMapOvr>
-    <a:masterClrMapping/>
-  </p:clrMapOvr>
-  <p:timing>
-    <p:tnLst>
-      <p:par>
-        <p:cTn xmlns:p14="http://schemas.microsoft.com/office/powerpoint/2010/main" id="1" dur="indefinite" restart="never" nodeType="tmRoot">
-          <p:childTnLst>
-            <p:seq concurrent="1" nextAc="seek">
-              <p:cTn id="2" dur="indefinite" nodeType="mainSeq">
-                <p:childTnLst>
-                  <p:par>
-                    <p:cTn id="3" fill="hold">
-                      <p:stCondLst>
-                        <p:cond delay="indefinite"/>
-                        <p:cond evt="onBegin" delay="0">
-                          <p:tn val="2"/>
-                        </p:cond>
-                      </p:stCondLst>
-                      <p:childTnLst>
-                        <p:par>
-                          <p:cTn id="4" fill="hold">
-                            <p:stCondLst>
-                              <p:cond delay="0"/>
-                            </p:stCondLst>
-                            <p:childTnLst>
-                              <p:par>
-                                <p:cTn id="5" presetID="1" presetClass="entr" presetSubtype="0" fill="hold" grpId="0" nodeType="withEffect">
-                                  <p:stCondLst>
-                                    <p:cond delay="0"/>
-                                  </p:stCondLst>
-                                  <p:childTnLst>
-                                    <p:set>
-                                      <p:cBhvr>
-                                        <p:cTn id="6" dur="1" fill="hold">
-                                          <p:stCondLst>
-                                            <p:cond delay="0"/>
-                                          </p:stCondLst>
-                                        </p:cTn>
-                                        <p:tgtEl>
-                                          <p:spTgt spid="3">
-                                            <p:txEl>
-                                              <p:pRg st="3" end="3"/>
-                                            </p:txEl>
-                                          </p:spTgt>
-                                        </p:tgtEl>
-                                        <p:attrNameLst>
-                                          <p:attrName>style.visibility</p:attrName>
-                                        </p:attrNameLst>
-                                      </p:cBhvr>
-                                      <p:to>
-                                        <p:strVal val="visible"/>
-                                      </p:to>
-                                    </p:set>
-                                  </p:childTnLst>
-                                </p:cTn>
-                              </p:par>
-                              <p:par>
-                                <p:cTn id="7" presetID="1" presetClass="entr" presetSubtype="0" fill="hold" grpId="0" nodeType="withEffect">
-                                  <p:stCondLst>
-                                    <p:cond delay="0"/>
-                                  </p:stCondLst>
-                                  <p:childTnLst>
-                                    <p:set>
-                                      <p:cBhvr>
-                                        <p:cTn id="8" dur="1" fill="hold">
-                                          <p:stCondLst>
-                                            <p:cond delay="0"/>
-                                          </p:stCondLst>
-                                        </p:cTn>
-                                        <p:tgtEl>
-                                          <p:spTgt spid="3">
-                                            <p:txEl>
-                                              <p:pRg st="4" end="4"/>
-                                            </p:txEl>
-                                          </p:spTgt>
-                                        </p:tgtEl>
-                                        <p:attrNameLst>
-                                          <p:attrName>style.visibility</p:attrName>
-                                        </p:attrNameLst>
-                                      </p:cBhvr>
-                                      <p:to>
-                                        <p:strVal val="visible"/>
-                                      </p:to>
-                                    </p:set>
-                                  </p:childTnLst>
-                                </p:cTn>
-                              </p:par>
-                              <p:par>
-                                <p:cTn id="9" presetID="1" presetClass="entr" presetSubtype="0" fill="hold" grpId="0" nodeType="withEffect">
-                                  <p:stCondLst>
-                                    <p:cond delay="0"/>
-                                  </p:stCondLst>
-                                  <p:childTnLst>
-                                    <p:set>
-                                      <p:cBhvr>
-                                        <p:cTn id="10" dur="1" fill="hold">
-                                          <p:stCondLst>
-                                            <p:cond delay="0"/>
-                                          </p:stCondLst>
-                                        </p:cTn>
-                                        <p:tgtEl>
-                                          <p:spTgt spid="3">
-                                            <p:txEl>
-                                              <p:pRg st="6" end="6"/>
-                                            </p:txEl>
-                                          </p:spTgt>
-                                        </p:tgtEl>
-                                        <p:attrNameLst>
-                                          <p:attrName>style.visibility</p:attrName>
-                                        </p:attrNameLst>
-                                      </p:cBhvr>
-                                      <p:to>
-                                        <p:strVal val="visible"/>
-                                      </p:to>
-                                    </p:set>
-                                  </p:childTnLst>
-                                </p:cTn>
-                              </p:par>
-                              <p:par>
-                                <p:cTn id="11" presetID="1" presetClass="entr" presetSubtype="0" fill="hold" grpId="0" nodeType="withEffect">
-                                  <p:stCondLst>
-                                    <p:cond delay="0"/>
-                                  </p:stCondLst>
-                                  <p:childTnLst>
-                                    <p:set>
-                                      <p:cBhvr>
-                                        <p:cTn id="12" dur="1" fill="hold">
-                                          <p:stCondLst>
-                                            <p:cond delay="0"/>
-                                          </p:stCondLst>
-                                        </p:cTn>
-                                        <p:tgtEl>
-                                          <p:spTgt spid="3">
-                                            <p:txEl>
-                                              <p:pRg st="7" end="7"/>
-                                            </p:txEl>
-                                          </p:spTgt>
-                                        </p:tgtEl>
-                                        <p:attrNameLst>
-                                          <p:attrName>style.visibility</p:attrName>
-                                        </p:attrNameLst>
-                                      </p:cBhvr>
-                                      <p:to>
-                                        <p:strVal val="visible"/>
-                                      </p:to>
-                                    </p:set>
-                                  </p:childTnLst>
-                                </p:cTn>
-                              </p:par>
-                              <p:par>
-                                <p:cTn id="13" presetID="1" presetClass="entr" presetSubtype="0" fill="hold" grpId="0" nodeType="withEffect">
-                                  <p:stCondLst>
-                                    <p:cond delay="0"/>
-                                  </p:stCondLst>
-                                  <p:childTnLst>
-                                    <p:set>
-                                      <p:cBhvr>
-                                        <p:cTn id="14" dur="1" fill="hold">
-                                          <p:stCondLst>
-                                            <p:cond delay="0"/>
-                                          </p:stCondLst>
-                                        </p:cTn>
-                                        <p:tgtEl>
-                                          <p:spTgt spid="3">
-                                            <p:txEl>
-                                              <p:pRg st="8" end="8"/>
-                                            </p:txEl>
-                                          </p:spTgt>
-                                        </p:tgtEl>
-                                        <p:attrNameLst>
-                                          <p:attrName>style.visibility</p:attrName>
-                                        </p:attrNameLst>
-                                      </p:cBhvr>
-                                      <p:to>
-                                        <p:strVal val="visible"/>
-                                      </p:to>
-                                    </p:set>
-                                  </p:childTnLst>
-                                </p:cTn>
-                              </p:par>
-                              <p:par>
-                                <p:cTn id="15" presetID="1" presetClass="entr" presetSubtype="0" fill="hold" grpId="0" nodeType="withEffect">
-                                  <p:stCondLst>
-                                    <p:cond delay="0"/>
-                                  </p:stCondLst>
-                                  <p:childTnLst>
-                                    <p:set>
-                                      <p:cBhvr>
-                                        <p:cTn id="16" dur="1" fill="hold">
-                                          <p:stCondLst>
-                                            <p:cond delay="0"/>
-                                          </p:stCondLst>
-                                        </p:cTn>
-                                        <p:tgtEl>
-                                          <p:spTgt spid="3">
-                                            <p:txEl>
-                                              <p:pRg st="9" end="9"/>
-                                            </p:txEl>
-                                          </p:spTgt>
-                                        </p:tgtEl>
-                                        <p:attrNameLst>
-                                          <p:attrName>style.visibility</p:attrName>
-                                        </p:attrNameLst>
-                                      </p:cBhvr>
-                                      <p:to>
-                                        <p:strVal val="visible"/>
-                                      </p:to>
-                                    </p:set>
-                                  </p:childTnLst>
-                                </p:cTn>
-                              </p:par>
-                            </p:childTnLst>
-                          </p:cTn>
-                        </p:par>
-                      </p:childTnLst>
-                    </p:cTn>
-                  </p:par>
-                </p:childTnLst>
-              </p:cTn>
-              <p:prevCondLst>
-                <p:cond evt="onPrev" delay="0">
-                  <p:tgtEl>
-                    <p:sldTgt/>
-                  </p:tgtEl>
-                </p:cond>
-              </p:prevCondLst>
-              <p:nextCondLst>
-                <p:cond evt="onNext" delay="0">
-                  <p:tgtEl>
-                    <p:sldTgt/>
-                  </p:tgtEl>
-                </p:cond>
-              </p:nextCondLst>
-            </p:seq>
-          </p:childTnLst>
-        </p:cTn>
-      </p:par>
-    </p:tnLst>
-    <p:bldLst>
-      <p:bldP spid="3" grpId="0" build="p"/>
-    </p:bldLst>
-  </p:timing>
-</p:sld>
-</file>
-
-<file path=ppt/slides/slide13.xml><?xml version="1.0" encoding="utf-8"?>
-<p:sld xmlns:a="http://schemas.openxmlformats.org/drawingml/2006/main" xmlns:r="http://schemas.openxmlformats.org/officeDocument/2006/relationships" xmlns:p="http://schemas.openxmlformats.org/presentationml/2006/main">
-  <p:cSld>
-    <p:spTree>
-      <p:nvGrpSpPr>
-        <p:cNvPr id="1" name=""/>
-        <p:cNvGrpSpPr/>
-        <p:nvPr/>
-      </p:nvGrpSpPr>
-      <p:grpSpPr>
-        <a:xfrm>
-          <a:off x="0" y="0"/>
-          <a:ext cx="0" cy="0"/>
-          <a:chOff x="0" y="0"/>
-          <a:chExt cx="0" cy="0"/>
-        </a:xfrm>
-      </p:grpSpPr>
-      <p:sp>
-        <p:nvSpPr>
-          <p:cNvPr id="15362" name="Title 1"/>
-          <p:cNvSpPr>
-            <a:spLocks noGrp="1"/>
-          </p:cNvSpPr>
-          <p:nvPr>
-            <p:ph type="title"/>
-          </p:nvPr>
-        </p:nvSpPr>
-        <p:spPr/>
-        <p:txBody>
-          <a:bodyPr/>
-          <a:lstStyle/>
-          <a:p>
-            <a:r>
-              <a:rPr lang="en-US">
-                <a:latin typeface="Garamond" charset="0"/>
-              </a:rPr>
-              <a:t>Deleting item from list (continued)</a:t>
-            </a:r>
-          </a:p>
-        </p:txBody>
-      </p:sp>
-      <p:sp>
-        <p:nvSpPr>
-          <p:cNvPr id="3" name="Content Placeholder 2"/>
-          <p:cNvSpPr>
-            <a:spLocks noGrp="1"/>
-          </p:cNvSpPr>
-          <p:nvPr>
-            <p:ph idx="1"/>
-          </p:nvPr>
-        </p:nvSpPr>
-        <p:spPr>
-          <a:extLst/>
-        </p:spPr>
-        <p:txBody>
-          <a:bodyPr>
-            <a:normAutofit fontScale="77500" lnSpcReduction="20000"/>
-          </a:bodyPr>
-          <a:lstStyle/>
-          <a:p>
-            <a:pPr marL="514350" indent="-514350">
-              <a:buFont typeface="+mj-lt"/>
-              <a:buAutoNum type="arabicPeriod" startAt="3"/>
-              <a:defRPr/>
-            </a:pPr>
-            <a:r>
-              <a:rPr lang="en-US" dirty="0" smtClean="0">
-                <a:ea typeface="+mn-ea"/>
-              </a:rPr>
-              <a:t>Case 1: Data wasn’t found </a:t>
-            </a:r>
-            <a:r>
-              <a:rPr lang="en-US" dirty="0" smtClean="0">
-                <a:ea typeface="+mn-ea"/>
-                <a:sym typeface="Wingdings" panose="05000000000000000000" pitchFamily="2" charset="2"/>
-              </a:rPr>
-              <a:t> </a:t>
-            </a:r>
-            <a:r>
-              <a:rPr lang="en-US" dirty="0" smtClean="0">
-                <a:ea typeface="+mn-ea"/>
-              </a:rPr>
-              <a:t>return unchanged list</a:t>
-            </a:r>
-          </a:p>
-          <a:p>
-            <a:pPr marL="344487" lvl="1" indent="0">
-              <a:buFont typeface="Wingdings" pitchFamily="2" charset="2"/>
-              <a:buNone/>
-              <a:defRPr/>
-            </a:pPr>
-            <a:r>
-              <a:rPr lang="en-US" sz="2800" b="1" dirty="0" smtClean="0">
-                <a:solidFill>
-                  <a:srgbClr val="0000FF"/>
-                </a:solidFill>
-                <a:highlight>
-                  <a:srgbClr val="FFFFFF"/>
-                </a:highlight>
-                <a:latin typeface="Courier New" panose="02070309020205020404" pitchFamily="49" charset="0"/>
-                <a:cs typeface="Courier New" panose="02070309020205020404" pitchFamily="49" charset="0"/>
-              </a:rPr>
-              <a:t>if</a:t>
-            </a:r>
-            <a:r>
-              <a:rPr lang="en-US" sz="2800" b="1" dirty="0">
-                <a:solidFill>
-                  <a:srgbClr val="000000"/>
-                </a:solidFill>
-                <a:highlight>
-                  <a:srgbClr val="FFFFFF"/>
-                </a:highlight>
-                <a:latin typeface="Courier New" panose="02070309020205020404" pitchFamily="49" charset="0"/>
-                <a:cs typeface="Courier New" panose="02070309020205020404" pitchFamily="49" charset="0"/>
-              </a:rPr>
-              <a:t> (cur == </a:t>
-            </a:r>
-            <a:r>
-              <a:rPr lang="en-US" sz="2800" b="1" dirty="0" smtClean="0">
-                <a:solidFill>
-                  <a:srgbClr val="6F008A"/>
-                </a:solidFill>
-                <a:highlight>
-                  <a:srgbClr val="FFFFFF"/>
-                </a:highlight>
-                <a:latin typeface="Courier New" panose="02070309020205020404" pitchFamily="49" charset="0"/>
-                <a:cs typeface="Courier New" panose="02070309020205020404" pitchFamily="49" charset="0"/>
-              </a:rPr>
-              <a:t>NULL</a:t>
-            </a:r>
-            <a:r>
-              <a:rPr lang="en-US" sz="2800" b="1" dirty="0" smtClean="0">
-                <a:solidFill>
-                  <a:srgbClr val="000000"/>
-                </a:solidFill>
-                <a:highlight>
-                  <a:srgbClr val="FFFFFF"/>
-                </a:highlight>
-                <a:latin typeface="Courier New" panose="02070309020205020404" pitchFamily="49" charset="0"/>
-                <a:cs typeface="Courier New" panose="02070309020205020404" pitchFamily="49" charset="0"/>
-              </a:rPr>
-              <a:t>) </a:t>
-            </a:r>
-            <a:r>
-              <a:rPr lang="en-US" sz="2800" b="1" dirty="0" smtClean="0">
-                <a:solidFill>
-                  <a:srgbClr val="0000FF"/>
-                </a:solidFill>
-                <a:highlight>
-                  <a:srgbClr val="FFFFFF"/>
-                </a:highlight>
-                <a:latin typeface="Courier New" panose="02070309020205020404" pitchFamily="49" charset="0"/>
-                <a:cs typeface="Courier New" panose="02070309020205020404" pitchFamily="49" charset="0"/>
-              </a:rPr>
-              <a:t>return</a:t>
-            </a:r>
-            <a:r>
-              <a:rPr lang="en-US" sz="2800" b="1" dirty="0" smtClean="0">
-                <a:solidFill>
-                  <a:srgbClr val="000000"/>
-                </a:solidFill>
-                <a:highlight>
-                  <a:srgbClr val="FFFFFF"/>
-                </a:highlight>
-                <a:latin typeface="Courier New" panose="02070309020205020404" pitchFamily="49" charset="0"/>
-                <a:cs typeface="Courier New" panose="02070309020205020404" pitchFamily="49" charset="0"/>
-              </a:rPr>
-              <a:t> </a:t>
-            </a:r>
-            <a:r>
-              <a:rPr lang="en-US" sz="2800" b="1" dirty="0" smtClean="0">
-                <a:solidFill>
-                  <a:srgbClr val="808080"/>
-                </a:solidFill>
-                <a:highlight>
-                  <a:srgbClr val="FFFFFF"/>
-                </a:highlight>
-                <a:latin typeface="Courier New" panose="02070309020205020404" pitchFamily="49" charset="0"/>
-                <a:cs typeface="Courier New" panose="02070309020205020404" pitchFamily="49" charset="0"/>
-              </a:rPr>
-              <a:t>list</a:t>
-            </a:r>
-            <a:r>
-              <a:rPr lang="en-US" sz="2800" b="1" dirty="0" smtClean="0">
-                <a:solidFill>
-                  <a:srgbClr val="000000"/>
-                </a:solidFill>
-                <a:highlight>
-                  <a:srgbClr val="FFFFFF"/>
-                </a:highlight>
-                <a:latin typeface="Courier New" panose="02070309020205020404" pitchFamily="49" charset="0"/>
-                <a:cs typeface="Courier New" panose="02070309020205020404" pitchFamily="49" charset="0"/>
-              </a:rPr>
-              <a:t>;</a:t>
-            </a:r>
-          </a:p>
-          <a:p>
-            <a:pPr marL="0" indent="0">
-              <a:buFont typeface="Wingdings" pitchFamily="2" charset="2"/>
-              <a:buNone/>
-              <a:defRPr/>
-            </a:pPr>
-            <a:endParaRPr lang="en-US" dirty="0" smtClean="0">
-              <a:ea typeface="+mn-ea"/>
-            </a:endParaRPr>
-          </a:p>
-          <a:p>
-            <a:pPr marL="514350" indent="-514350">
-              <a:buFont typeface="+mj-lt"/>
-              <a:buAutoNum type="arabicPeriod" startAt="3"/>
-              <a:defRPr/>
-            </a:pPr>
-            <a:r>
-              <a:rPr lang="en-US" dirty="0" smtClean="0">
-                <a:ea typeface="+mn-ea"/>
-              </a:rPr>
-              <a:t>Case 2a: Data was found in first node </a:t>
-            </a:r>
-            <a:r>
-              <a:rPr lang="en-US" dirty="0" smtClean="0">
-                <a:ea typeface="+mn-ea"/>
-                <a:sym typeface="Wingdings" panose="05000000000000000000" pitchFamily="2" charset="2"/>
-              </a:rPr>
-              <a:t> beginning of list will be current 2</a:t>
-            </a:r>
-            <a:r>
-              <a:rPr lang="en-US" baseline="30000" dirty="0" smtClean="0">
-                <a:ea typeface="+mn-ea"/>
-                <a:sym typeface="Wingdings" panose="05000000000000000000" pitchFamily="2" charset="2"/>
-              </a:rPr>
-              <a:t>nd</a:t>
-            </a:r>
-            <a:r>
-              <a:rPr lang="en-US" dirty="0" smtClean="0">
-                <a:ea typeface="+mn-ea"/>
-                <a:sym typeface="Wingdings" panose="05000000000000000000" pitchFamily="2" charset="2"/>
-              </a:rPr>
-              <a:t> node</a:t>
-            </a:r>
-          </a:p>
-          <a:p>
-            <a:pPr marL="344487" lvl="1" indent="0">
-              <a:buFont typeface="Wingdings" pitchFamily="2" charset="2"/>
-              <a:buNone/>
-              <a:defRPr/>
-            </a:pPr>
-            <a:r>
-              <a:rPr lang="en-US" sz="2800" b="1" dirty="0" smtClean="0">
-                <a:solidFill>
-                  <a:srgbClr val="0000FF"/>
-                </a:solidFill>
-                <a:highlight>
-                  <a:srgbClr val="FFFFFF"/>
-                </a:highlight>
-                <a:latin typeface="Courier New" panose="02070309020205020404" pitchFamily="49" charset="0"/>
-                <a:cs typeface="Courier New" panose="02070309020205020404" pitchFamily="49" charset="0"/>
-              </a:rPr>
-              <a:t>if</a:t>
-            </a:r>
-            <a:r>
-              <a:rPr lang="en-US" sz="2800" b="1" dirty="0">
-                <a:solidFill>
-                  <a:srgbClr val="000000"/>
-                </a:solidFill>
-                <a:highlight>
-                  <a:srgbClr val="FFFFFF"/>
-                </a:highlight>
-                <a:latin typeface="Courier New" panose="02070309020205020404" pitchFamily="49" charset="0"/>
-                <a:cs typeface="Courier New" panose="02070309020205020404" pitchFamily="49" charset="0"/>
-              </a:rPr>
-              <a:t> (</a:t>
-            </a:r>
-            <a:r>
-              <a:rPr lang="en-US" sz="2800" b="1" dirty="0" err="1">
-                <a:solidFill>
-                  <a:srgbClr val="000000"/>
-                </a:solidFill>
-                <a:highlight>
-                  <a:srgbClr val="FFFFFF"/>
-                </a:highlight>
-                <a:latin typeface="Courier New" panose="02070309020205020404" pitchFamily="49" charset="0"/>
-                <a:cs typeface="Courier New" panose="02070309020205020404" pitchFamily="49" charset="0"/>
-              </a:rPr>
-              <a:t>prev</a:t>
-            </a:r>
-            <a:r>
-              <a:rPr lang="en-US" sz="2800" b="1" dirty="0">
-                <a:solidFill>
-                  <a:srgbClr val="000000"/>
-                </a:solidFill>
-                <a:highlight>
-                  <a:srgbClr val="FFFFFF"/>
-                </a:highlight>
-                <a:latin typeface="Courier New" panose="02070309020205020404" pitchFamily="49" charset="0"/>
-                <a:cs typeface="Courier New" panose="02070309020205020404" pitchFamily="49" charset="0"/>
-              </a:rPr>
-              <a:t> == </a:t>
-            </a:r>
-            <a:r>
-              <a:rPr lang="en-US" sz="2800" b="1" dirty="0" smtClean="0">
-                <a:solidFill>
-                  <a:srgbClr val="6F008A"/>
-                </a:solidFill>
-                <a:highlight>
-                  <a:srgbClr val="FFFFFF"/>
-                </a:highlight>
-                <a:latin typeface="Courier New" panose="02070309020205020404" pitchFamily="49" charset="0"/>
-                <a:cs typeface="Courier New" panose="02070309020205020404" pitchFamily="49" charset="0"/>
-              </a:rPr>
-              <a:t>NULL</a:t>
-            </a:r>
-            <a:r>
-              <a:rPr lang="en-US" sz="2800" b="1" dirty="0" smtClean="0">
-                <a:solidFill>
-                  <a:srgbClr val="000000"/>
-                </a:solidFill>
-                <a:highlight>
-                  <a:srgbClr val="FFFFFF"/>
-                </a:highlight>
-                <a:latin typeface="Courier New" panose="02070309020205020404" pitchFamily="49" charset="0"/>
-                <a:cs typeface="Courier New" panose="02070309020205020404" pitchFamily="49" charset="0"/>
-              </a:rPr>
-              <a:t>) </a:t>
-            </a:r>
-            <a:r>
-              <a:rPr lang="en-US" sz="2800" b="1" dirty="0" smtClean="0">
-                <a:solidFill>
-                  <a:srgbClr val="808080"/>
-                </a:solidFill>
-                <a:highlight>
-                  <a:srgbClr val="FFFFFF"/>
-                </a:highlight>
-                <a:latin typeface="Courier New" panose="02070309020205020404" pitchFamily="49" charset="0"/>
-                <a:cs typeface="Courier New" panose="02070309020205020404" pitchFamily="49" charset="0"/>
-              </a:rPr>
-              <a:t>list</a:t>
-            </a:r>
-            <a:r>
-              <a:rPr lang="en-US" sz="2800" b="1" dirty="0" smtClean="0">
-                <a:solidFill>
-                  <a:srgbClr val="000000"/>
-                </a:solidFill>
-                <a:highlight>
-                  <a:srgbClr val="FFFFFF"/>
-                </a:highlight>
-                <a:latin typeface="Courier New" panose="02070309020205020404" pitchFamily="49" charset="0"/>
-                <a:cs typeface="Courier New" panose="02070309020205020404" pitchFamily="49" charset="0"/>
-              </a:rPr>
-              <a:t> </a:t>
-            </a:r>
-            <a:r>
-              <a:rPr lang="en-US" sz="2800" b="1" dirty="0">
-                <a:solidFill>
-                  <a:srgbClr val="000000"/>
-                </a:solidFill>
-                <a:highlight>
-                  <a:srgbClr val="FFFFFF"/>
-                </a:highlight>
-                <a:latin typeface="Courier New" panose="02070309020205020404" pitchFamily="49" charset="0"/>
-                <a:cs typeface="Courier New" panose="02070309020205020404" pitchFamily="49" charset="0"/>
-              </a:rPr>
-              <a:t>= </a:t>
-            </a:r>
-            <a:r>
-              <a:rPr lang="en-US" sz="2800" b="1" dirty="0" smtClean="0">
-                <a:solidFill>
-                  <a:srgbClr val="808080"/>
-                </a:solidFill>
-                <a:highlight>
-                  <a:srgbClr val="FFFFFF"/>
-                </a:highlight>
-                <a:latin typeface="Courier New" panose="02070309020205020404" pitchFamily="49" charset="0"/>
-                <a:cs typeface="Courier New" panose="02070309020205020404" pitchFamily="49" charset="0"/>
-              </a:rPr>
-              <a:t>list</a:t>
-            </a:r>
-            <a:r>
-              <a:rPr lang="en-US" sz="2800" b="1" dirty="0">
-                <a:solidFill>
-                  <a:srgbClr val="000000"/>
-                </a:solidFill>
-                <a:highlight>
-                  <a:srgbClr val="FFFFFF"/>
-                </a:highlight>
-                <a:latin typeface="Courier New" panose="02070309020205020404" pitchFamily="49" charset="0"/>
-                <a:cs typeface="Courier New" panose="02070309020205020404" pitchFamily="49" charset="0"/>
-              </a:rPr>
-              <a:t>-&gt;next</a:t>
-            </a:r>
-            <a:r>
-              <a:rPr lang="en-US" sz="2800" b="1" dirty="0" smtClean="0">
-                <a:solidFill>
-                  <a:srgbClr val="000000"/>
-                </a:solidFill>
-                <a:highlight>
-                  <a:srgbClr val="FFFFFF"/>
-                </a:highlight>
-                <a:latin typeface="Courier New" panose="02070309020205020404" pitchFamily="49" charset="0"/>
-                <a:cs typeface="Courier New" panose="02070309020205020404" pitchFamily="49" charset="0"/>
-              </a:rPr>
-              <a:t>;</a:t>
-            </a:r>
-            <a:endParaRPr lang="en-US" b="1" dirty="0" smtClean="0">
-              <a:latin typeface="Courier New" panose="02070309020205020404" pitchFamily="49" charset="0"/>
-              <a:cs typeface="Courier New" panose="02070309020205020404" pitchFamily="49" charset="0"/>
-              <a:sym typeface="Wingdings" panose="05000000000000000000" pitchFamily="2" charset="2"/>
-            </a:endParaRPr>
-          </a:p>
-          <a:p>
-            <a:pPr marL="514350" indent="-514350">
-              <a:buFont typeface="+mj-lt"/>
-              <a:buAutoNum type="arabicPeriod" startAt="3"/>
-              <a:defRPr/>
-            </a:pPr>
-            <a:endParaRPr lang="en-US" dirty="0" smtClean="0">
-              <a:ea typeface="+mn-ea"/>
-            </a:endParaRPr>
-          </a:p>
-          <a:p>
-            <a:pPr marL="514350" indent="-514350">
-              <a:buFont typeface="+mj-lt"/>
-              <a:buAutoNum type="arabicPeriod" startAt="3"/>
-              <a:defRPr/>
-            </a:pPr>
-            <a:r>
-              <a:rPr lang="en-US" dirty="0" smtClean="0">
-                <a:ea typeface="+mn-ea"/>
-              </a:rPr>
-              <a:t>Case 2b: Data found elsewhere </a:t>
-            </a:r>
-            <a:r>
-              <a:rPr lang="en-US" dirty="0" smtClean="0">
-                <a:ea typeface="+mn-ea"/>
-                <a:sym typeface="Wingdings" panose="05000000000000000000" pitchFamily="2" charset="2"/>
-              </a:rPr>
-              <a:t> previous node points past node to be removed</a:t>
-            </a:r>
-          </a:p>
-          <a:p>
-            <a:pPr marL="344487" lvl="1" indent="0">
-              <a:buFont typeface="Wingdings" pitchFamily="2" charset="2"/>
-              <a:buNone/>
-              <a:defRPr/>
-            </a:pPr>
-            <a:r>
-              <a:rPr lang="en-US" sz="2800" b="1" dirty="0" smtClean="0">
-                <a:solidFill>
-                  <a:srgbClr val="0000FF"/>
-                </a:solidFill>
-                <a:highlight>
-                  <a:srgbClr val="FFFFFF"/>
-                </a:highlight>
-                <a:latin typeface="Courier New" panose="02070309020205020404" pitchFamily="49" charset="0"/>
-                <a:cs typeface="Courier New" panose="02070309020205020404" pitchFamily="49" charset="0"/>
-              </a:rPr>
-              <a:t>else </a:t>
-            </a:r>
-            <a:r>
-              <a:rPr lang="en-US" sz="2800" b="1" dirty="0" err="1" smtClean="0">
-                <a:solidFill>
-                  <a:srgbClr val="000000"/>
-                </a:solidFill>
-                <a:highlight>
-                  <a:srgbClr val="FFFFFF"/>
-                </a:highlight>
-                <a:latin typeface="Courier New" panose="02070309020205020404" pitchFamily="49" charset="0"/>
-                <a:cs typeface="Courier New" panose="02070309020205020404" pitchFamily="49" charset="0"/>
-              </a:rPr>
-              <a:t>prev</a:t>
-            </a:r>
-            <a:r>
-              <a:rPr lang="en-US" sz="2800" b="1" dirty="0" smtClean="0">
-                <a:solidFill>
-                  <a:srgbClr val="000000"/>
-                </a:solidFill>
-                <a:highlight>
-                  <a:srgbClr val="FFFFFF"/>
-                </a:highlight>
-                <a:latin typeface="Courier New" panose="02070309020205020404" pitchFamily="49" charset="0"/>
-                <a:cs typeface="Courier New" panose="02070309020205020404" pitchFamily="49" charset="0"/>
-              </a:rPr>
-              <a:t>-</a:t>
-            </a:r>
-            <a:r>
-              <a:rPr lang="en-US" sz="2800" b="1" dirty="0">
-                <a:solidFill>
-                  <a:srgbClr val="000000"/>
-                </a:solidFill>
-                <a:highlight>
-                  <a:srgbClr val="FFFFFF"/>
-                </a:highlight>
-                <a:latin typeface="Courier New" panose="02070309020205020404" pitchFamily="49" charset="0"/>
-                <a:cs typeface="Courier New" panose="02070309020205020404" pitchFamily="49" charset="0"/>
-              </a:rPr>
-              <a:t>&gt;next = cur-&gt;next</a:t>
-            </a:r>
-            <a:r>
-              <a:rPr lang="en-US" sz="2800" b="1" dirty="0" smtClean="0">
-                <a:solidFill>
-                  <a:srgbClr val="000000"/>
-                </a:solidFill>
-                <a:highlight>
-                  <a:srgbClr val="FFFFFF"/>
-                </a:highlight>
-                <a:latin typeface="Courier New" panose="02070309020205020404" pitchFamily="49" charset="0"/>
-                <a:cs typeface="Courier New" panose="02070309020205020404" pitchFamily="49" charset="0"/>
-              </a:rPr>
-              <a:t>;</a:t>
-            </a:r>
-          </a:p>
-          <a:p>
-            <a:pPr marL="344487" lvl="1" indent="0">
-              <a:buFont typeface="Wingdings" pitchFamily="2" charset="2"/>
-              <a:buNone/>
-              <a:defRPr/>
-            </a:pPr>
-            <a:endParaRPr lang="en-US" sz="2800" b="1" dirty="0" smtClean="0">
-              <a:solidFill>
-                <a:srgbClr val="000000"/>
-              </a:solidFill>
-              <a:highlight>
-                <a:srgbClr val="FFFFFF"/>
-              </a:highlight>
-              <a:latin typeface="Courier New" panose="02070309020205020404" pitchFamily="49" charset="0"/>
-              <a:cs typeface="Courier New" panose="02070309020205020404" pitchFamily="49" charset="0"/>
-            </a:endParaRPr>
-          </a:p>
-          <a:p>
-            <a:pPr marL="531812" indent="-514350">
-              <a:buFont typeface="+mj-lt"/>
-              <a:buAutoNum type="arabicPeriod" startAt="3"/>
-              <a:defRPr/>
-            </a:pPr>
-            <a:r>
-              <a:rPr lang="en-US" sz="3200" dirty="0" smtClean="0">
-                <a:solidFill>
-                  <a:srgbClr val="000000"/>
-                </a:solidFill>
-                <a:highlight>
-                  <a:srgbClr val="FFFFFF"/>
-                </a:highlight>
-                <a:ea typeface="+mn-ea"/>
-                <a:cs typeface="Courier New" panose="02070309020205020404" pitchFamily="49" charset="0"/>
-              </a:rPr>
-              <a:t>Remove node holding data, then return list</a:t>
-            </a:r>
-            <a:endParaRPr lang="en-US" sz="3200" dirty="0">
-              <a:solidFill>
-                <a:srgbClr val="000000"/>
-              </a:solidFill>
-              <a:highlight>
-                <a:srgbClr val="FFFFFF"/>
-              </a:highlight>
-              <a:ea typeface="+mn-ea"/>
-              <a:cs typeface="Courier New" panose="02070309020205020404" pitchFamily="49" charset="0"/>
-            </a:endParaRPr>
-          </a:p>
-          <a:p>
-            <a:pPr marL="344487" lvl="1" indent="0">
-              <a:buFont typeface="Wingdings" pitchFamily="2" charset="2"/>
-              <a:buNone/>
-              <a:defRPr/>
-            </a:pPr>
-            <a:r>
-              <a:rPr lang="en-US" sz="2800" b="1" dirty="0">
-                <a:solidFill>
-                  <a:srgbClr val="000000"/>
-                </a:solidFill>
-                <a:highlight>
-                  <a:srgbClr val="FFFFFF"/>
-                </a:highlight>
-                <a:latin typeface="Courier New" panose="02070309020205020404" pitchFamily="49" charset="0"/>
-                <a:cs typeface="Courier New" panose="02070309020205020404" pitchFamily="49" charset="0"/>
-              </a:rPr>
-              <a:t>free(cur</a:t>
-            </a:r>
-            <a:r>
-              <a:rPr lang="en-US" sz="2800" b="1" dirty="0" smtClean="0">
-                <a:solidFill>
-                  <a:srgbClr val="000000"/>
-                </a:solidFill>
-                <a:highlight>
-                  <a:srgbClr val="FFFFFF"/>
-                </a:highlight>
-                <a:latin typeface="Courier New" panose="02070309020205020404" pitchFamily="49" charset="0"/>
-                <a:cs typeface="Courier New" panose="02070309020205020404" pitchFamily="49" charset="0"/>
-              </a:rPr>
-              <a:t>);</a:t>
-            </a:r>
-          </a:p>
-          <a:p>
-            <a:pPr marL="344487" lvl="1" indent="0">
-              <a:buFont typeface="Wingdings" pitchFamily="2" charset="2"/>
-              <a:buNone/>
-              <a:defRPr/>
-            </a:pPr>
-            <a:r>
-              <a:rPr lang="en-US" sz="2800" b="1" dirty="0" smtClean="0">
-                <a:solidFill>
-                  <a:srgbClr val="000000"/>
-                </a:solidFill>
-                <a:highlight>
-                  <a:srgbClr val="FFFFFF"/>
-                </a:highlight>
-                <a:latin typeface="Courier New" panose="02070309020205020404" pitchFamily="49" charset="0"/>
-                <a:cs typeface="Courier New" panose="02070309020205020404" pitchFamily="49" charset="0"/>
-              </a:rPr>
-              <a:t>return list;</a:t>
-            </a:r>
-            <a:endParaRPr lang="en-US" b="1" dirty="0">
-              <a:latin typeface="Courier New" panose="02070309020205020404" pitchFamily="49" charset="0"/>
-              <a:cs typeface="Courier New" panose="02070309020205020404" pitchFamily="49" charset="0"/>
-            </a:endParaRPr>
-          </a:p>
-        </p:txBody>
-      </p:sp>
-      <p:sp>
-        <p:nvSpPr>
-          <p:cNvPr id="15364" name="Date Placeholder 3"/>
-          <p:cNvSpPr>
-            <a:spLocks noGrp="1"/>
-          </p:cNvSpPr>
-          <p:nvPr>
-            <p:ph type="dt" sz="quarter" idx="10"/>
-          </p:nvPr>
-        </p:nvSpPr>
-        <p:spPr>
-          <a:noFill/>
-          <a:ln/>
-          <a:extLst>
-            <a:ext uri="{909E8E84-426E-40dd-AFC4-6F175D3DCCD1}">
-              <a14:hiddenFill xmlns:a14="http://schemas.microsoft.com/office/drawing/2010/main">
-                <a:solidFill>
-                  <a:srgbClr val="FFFFFF"/>
-                </a:solidFill>
-              </a14:hiddenFill>
-            </a:ext>
-            <a:ext uri="{91240B29-F687-4f45-9708-019B960494DF}">
-              <a14:hiddenLine xmlns:a14="http://schemas.microsoft.com/office/drawing/2010/main" w="9525">
-                <a:solidFill>
-                  <a:srgbClr val="000000"/>
-                </a:solidFill>
-                <a:miter lim="800000"/>
-                <a:headEnd/>
-                <a:tailEnd/>
-              </a14:hiddenLine>
-            </a:ext>
-          </a:extLst>
-        </p:spPr>
-        <p:txBody>
-          <a:bodyPr/>
-          <a:lstStyle>
-            <a:lvl1pPr>
-              <a:defRPr sz="3000">
-                <a:solidFill>
-                  <a:schemeClr val="tx1"/>
-                </a:solidFill>
-                <a:latin typeface="Arial" charset="0"/>
-                <a:ea typeface="ＭＳ Ｐゴシック" charset="0"/>
-                <a:cs typeface="ＭＳ Ｐゴシック" charset="0"/>
-              </a:defRPr>
-            </a:lvl1pPr>
-            <a:lvl2pPr marL="742950" indent="-285750">
-              <a:defRPr sz="2600">
-                <a:solidFill>
-                  <a:schemeClr val="tx1"/>
-                </a:solidFill>
-                <a:latin typeface="Arial" charset="0"/>
-                <a:ea typeface="ＭＳ Ｐゴシック" charset="0"/>
-              </a:defRPr>
-            </a:lvl2pPr>
-            <a:lvl3pPr marL="1143000" indent="-228600">
-              <a:defRPr sz="2200">
-                <a:solidFill>
-                  <a:schemeClr val="tx1"/>
-                </a:solidFill>
-                <a:latin typeface="Arial" charset="0"/>
-                <a:ea typeface="ＭＳ Ｐゴシック" charset="0"/>
-              </a:defRPr>
-            </a:lvl3pPr>
-            <a:lvl4pPr marL="1600200" indent="-228600">
-              <a:defRPr sz="2000">
-                <a:solidFill>
-                  <a:schemeClr val="tx1"/>
-                </a:solidFill>
-                <a:latin typeface="Arial" charset="0"/>
-                <a:ea typeface="ＭＳ Ｐゴシック" charset="0"/>
-              </a:defRPr>
-            </a:lvl4pPr>
-            <a:lvl5pPr marL="2057400" indent="-228600">
-              <a:defRPr sz="2000">
-                <a:solidFill>
-                  <a:schemeClr val="tx1"/>
-                </a:solidFill>
-                <a:latin typeface="Arial" charset="0"/>
-                <a:ea typeface="ＭＳ Ｐゴシック" charset="0"/>
-              </a:defRPr>
-            </a:lvl5pPr>
-            <a:lvl6pPr marL="2514600" indent="-228600" eaLnBrk="0" hangingPunct="0">
-              <a:buFont typeface="Wingdings" charset="0"/>
-              <a:defRPr sz="2000">
-                <a:solidFill>
-                  <a:schemeClr val="tx1"/>
-                </a:solidFill>
-                <a:latin typeface="Arial" charset="0"/>
-                <a:ea typeface="ＭＳ Ｐゴシック" charset="0"/>
-              </a:defRPr>
-            </a:lvl6pPr>
-            <a:lvl7pPr marL="2971800" indent="-228600" eaLnBrk="0" hangingPunct="0">
-              <a:buFont typeface="Wingdings" charset="0"/>
-              <a:defRPr sz="2000">
-                <a:solidFill>
-                  <a:schemeClr val="tx1"/>
-                </a:solidFill>
-                <a:latin typeface="Arial" charset="0"/>
-                <a:ea typeface="ＭＳ Ｐゴシック" charset="0"/>
-              </a:defRPr>
-            </a:lvl7pPr>
-            <a:lvl8pPr marL="3429000" indent="-228600" eaLnBrk="0" hangingPunct="0">
-              <a:buFont typeface="Wingdings" charset="0"/>
-              <a:defRPr sz="2000">
-                <a:solidFill>
-                  <a:schemeClr val="tx1"/>
-                </a:solidFill>
-                <a:latin typeface="Arial" charset="0"/>
-                <a:ea typeface="ＭＳ Ｐゴシック" charset="0"/>
-              </a:defRPr>
-            </a:lvl8pPr>
-            <a:lvl9pPr marL="3886200" indent="-228600" eaLnBrk="0" hangingPunct="0">
-              <a:buFont typeface="Wingdings" charset="0"/>
-              <a:defRPr sz="2000">
-                <a:solidFill>
-                  <a:schemeClr val="tx1"/>
-                </a:solidFill>
-                <a:latin typeface="Arial" charset="0"/>
-                <a:ea typeface="ＭＳ Ｐゴシック" charset="0"/>
-              </a:defRPr>
-            </a:lvl9pPr>
-          </a:lstStyle>
-          <a:p>
-            <a:fld id="{D53A01CE-AE9A-2D44-8028-00ED63F31DE5}" type="datetime1">
-              <a:rPr lang="en-US" sz="1200" smtClean="0">
-                <a:latin typeface="Garamond" charset="0"/>
-                <a:cs typeface="Arial" charset="0"/>
-              </a:rPr>
-              <a:t>12/1/15</a:t>
-            </a:fld>
-            <a:endParaRPr lang="en-US" sz="1200">
-              <a:latin typeface="Garamond" charset="0"/>
-              <a:cs typeface="Arial" charset="0"/>
-            </a:endParaRPr>
-          </a:p>
-        </p:txBody>
-      </p:sp>
-      <p:sp>
-        <p:nvSpPr>
-          <p:cNvPr id="5" name="Footer Placeholder 4"/>
-          <p:cNvSpPr>
-            <a:spLocks noGrp="1"/>
-          </p:cNvSpPr>
-          <p:nvPr>
-            <p:ph type="ftr" sz="quarter" idx="11"/>
-          </p:nvPr>
-        </p:nvSpPr>
-        <p:spPr/>
-        <p:txBody>
-          <a:bodyPr/>
-          <a:lstStyle/>
-          <a:p>
-            <a:pPr>
-              <a:defRPr/>
-            </a:pPr>
-            <a:r>
-              <a:rPr lang="en-US" altLang="en-US" smtClean="0"/>
-              <a:t>ECE Application Programming: Lecture 34</a:t>
-            </a:r>
-            <a:endParaRPr lang="en-US" altLang="en-US"/>
-          </a:p>
-        </p:txBody>
-      </p:sp>
-      <p:sp>
-        <p:nvSpPr>
-          <p:cNvPr id="15366" name="Slide Number Placeholder 5"/>
-          <p:cNvSpPr>
-            <a:spLocks noGrp="1"/>
-          </p:cNvSpPr>
-          <p:nvPr>
-            <p:ph type="sldNum" sz="quarter" idx="12"/>
-          </p:nvPr>
-        </p:nvSpPr>
-        <p:spPr>
-          <a:noFill/>
-          <a:ln/>
-          <a:extLst>
-            <a:ext uri="{909E8E84-426E-40dd-AFC4-6F175D3DCCD1}">
-              <a14:hiddenFill xmlns:a14="http://schemas.microsoft.com/office/drawing/2010/main">
-                <a:solidFill>
-                  <a:srgbClr val="FFFFFF"/>
-                </a:solidFill>
-              </a14:hiddenFill>
-            </a:ext>
-            <a:ext uri="{91240B29-F687-4f45-9708-019B960494DF}">
-              <a14:hiddenLine xmlns:a14="http://schemas.microsoft.com/office/drawing/2010/main" w="9525">
-                <a:solidFill>
-                  <a:srgbClr val="000000"/>
-                </a:solidFill>
-                <a:miter lim="800000"/>
-                <a:headEnd/>
-                <a:tailEnd/>
-              </a14:hiddenLine>
-            </a:ext>
-          </a:extLst>
-        </p:spPr>
-        <p:txBody>
-          <a:bodyPr/>
-          <a:lstStyle>
-            <a:lvl1pPr>
-              <a:defRPr sz="3000">
-                <a:solidFill>
-                  <a:schemeClr val="tx1"/>
-                </a:solidFill>
-                <a:latin typeface="Arial" charset="0"/>
-                <a:ea typeface="ＭＳ Ｐゴシック" charset="0"/>
-                <a:cs typeface="ＭＳ Ｐゴシック" charset="0"/>
-              </a:defRPr>
-            </a:lvl1pPr>
-            <a:lvl2pPr marL="742950" indent="-285750">
-              <a:defRPr sz="2600">
-                <a:solidFill>
-                  <a:schemeClr val="tx1"/>
-                </a:solidFill>
-                <a:latin typeface="Arial" charset="0"/>
-                <a:ea typeface="ＭＳ Ｐゴシック" charset="0"/>
-              </a:defRPr>
-            </a:lvl2pPr>
-            <a:lvl3pPr marL="1143000" indent="-228600">
-              <a:defRPr sz="2200">
-                <a:solidFill>
-                  <a:schemeClr val="tx1"/>
-                </a:solidFill>
-                <a:latin typeface="Arial" charset="0"/>
-                <a:ea typeface="ＭＳ Ｐゴシック" charset="0"/>
-              </a:defRPr>
-            </a:lvl3pPr>
-            <a:lvl4pPr marL="1600200" indent="-228600">
-              <a:defRPr sz="2000">
-                <a:solidFill>
-                  <a:schemeClr val="tx1"/>
-                </a:solidFill>
-                <a:latin typeface="Arial" charset="0"/>
-                <a:ea typeface="ＭＳ Ｐゴシック" charset="0"/>
-              </a:defRPr>
-            </a:lvl4pPr>
-            <a:lvl5pPr marL="2057400" indent="-228600">
-              <a:defRPr sz="2000">
-                <a:solidFill>
-                  <a:schemeClr val="tx1"/>
-                </a:solidFill>
-                <a:latin typeface="Arial" charset="0"/>
-                <a:ea typeface="ＭＳ Ｐゴシック" charset="0"/>
-              </a:defRPr>
-            </a:lvl5pPr>
-            <a:lvl6pPr marL="2514600" indent="-228600" eaLnBrk="0" hangingPunct="0">
-              <a:buFont typeface="Wingdings" charset="0"/>
-              <a:defRPr sz="2000">
-                <a:solidFill>
-                  <a:schemeClr val="tx1"/>
-                </a:solidFill>
-                <a:latin typeface="Arial" charset="0"/>
-                <a:ea typeface="ＭＳ Ｐゴシック" charset="0"/>
-              </a:defRPr>
-            </a:lvl6pPr>
-            <a:lvl7pPr marL="2971800" indent="-228600" eaLnBrk="0" hangingPunct="0">
-              <a:buFont typeface="Wingdings" charset="0"/>
-              <a:defRPr sz="2000">
-                <a:solidFill>
-                  <a:schemeClr val="tx1"/>
-                </a:solidFill>
-                <a:latin typeface="Arial" charset="0"/>
-                <a:ea typeface="ＭＳ Ｐゴシック" charset="0"/>
-              </a:defRPr>
-            </a:lvl7pPr>
-            <a:lvl8pPr marL="3429000" indent="-228600" eaLnBrk="0" hangingPunct="0">
-              <a:buFont typeface="Wingdings" charset="0"/>
-              <a:defRPr sz="2000">
-                <a:solidFill>
-                  <a:schemeClr val="tx1"/>
-                </a:solidFill>
-                <a:latin typeface="Arial" charset="0"/>
-                <a:ea typeface="ＭＳ Ｐゴシック" charset="0"/>
-              </a:defRPr>
-            </a:lvl8pPr>
-            <a:lvl9pPr marL="3886200" indent="-228600" eaLnBrk="0" hangingPunct="0">
-              <a:buFont typeface="Wingdings" charset="0"/>
-              <a:defRPr sz="2000">
-                <a:solidFill>
-                  <a:schemeClr val="tx1"/>
-                </a:solidFill>
-                <a:latin typeface="Arial" charset="0"/>
-                <a:ea typeface="ＭＳ Ｐゴシック" charset="0"/>
-              </a:defRPr>
-            </a:lvl9pPr>
-          </a:lstStyle>
-          <a:p>
-            <a:fld id="{F84C79CD-9976-4249-B3A0-1B7875615771}" type="slidenum">
-              <a:rPr lang="en-US" sz="1200">
-                <a:latin typeface="Garamond" charset="0"/>
-                <a:cs typeface="Arial" charset="0"/>
-              </a:rPr>
-              <a:pPr/>
-              <a:t>13</a:t>
-            </a:fld>
-            <a:endParaRPr lang="en-US" sz="1200">
-              <a:latin typeface="Garamond" charset="0"/>
-              <a:cs typeface="Arial" charset="0"/>
-            </a:endParaRPr>
-          </a:p>
-        </p:txBody>
-      </p:sp>
-    </p:spTree>
-  </p:cSld>
-  <p:clrMapOvr>
-    <a:masterClrMapping/>
-  </p:clrMapOvr>
-  <p:timing>
-    <p:tnLst>
-      <p:par>
-        <p:cTn xmlns:p14="http://schemas.microsoft.com/office/powerpoint/2010/main" id="1" dur="indefinite" restart="never" nodeType="tmRoot">
-          <p:childTnLst>
-            <p:seq concurrent="1" nextAc="seek">
-              <p:cTn id="2" dur="indefinite" nodeType="mainSeq">
-                <p:childTnLst>
-                  <p:par>
-                    <p:cTn id="3" fill="hold">
-                      <p:stCondLst>
-                        <p:cond delay="indefinite"/>
-                      </p:stCondLst>
-                      <p:childTnLst>
-                        <p:par>
-                          <p:cTn id="4" fill="hold">
-                            <p:stCondLst>
-                              <p:cond delay="0"/>
-                            </p:stCondLst>
-                            <p:childTnLst>
-                              <p:par>
-                                <p:cTn id="5" presetID="1" presetClass="entr" presetSubtype="0" fill="hold" nodeType="clickEffect">
-                                  <p:stCondLst>
-                                    <p:cond delay="0"/>
-                                  </p:stCondLst>
-                                  <p:childTnLst>
-                                    <p:set>
-                                      <p:cBhvr>
-                                        <p:cTn id="6" dur="1" fill="hold">
-                                          <p:stCondLst>
-                                            <p:cond delay="0"/>
-                                          </p:stCondLst>
-                                        </p:cTn>
-                                        <p:tgtEl>
-                                          <p:spTgt spid="3">
-                                            <p:txEl>
-                                              <p:pRg st="1" end="1"/>
-                                            </p:txEl>
-                                          </p:spTgt>
-                                        </p:tgtEl>
-                                        <p:attrNameLst>
-                                          <p:attrName>style.visibility</p:attrName>
-                                        </p:attrNameLst>
-                                      </p:cBhvr>
-                                      <p:to>
-                                        <p:strVal val="visible"/>
-                                      </p:to>
-                                    </p:set>
-                                  </p:childTnLst>
-                                </p:cTn>
-                              </p:par>
-                            </p:childTnLst>
-                          </p:cTn>
-                        </p:par>
-                      </p:childTnLst>
-                    </p:cTn>
-                  </p:par>
-                  <p:par>
-                    <p:cTn id="7" fill="hold">
-                      <p:stCondLst>
-                        <p:cond delay="indefinite"/>
-                      </p:stCondLst>
-                      <p:childTnLst>
-                        <p:par>
-                          <p:cTn id="8" fill="hold">
-                            <p:stCondLst>
-                              <p:cond delay="0"/>
-                            </p:stCondLst>
-                            <p:childTnLst>
-                              <p:par>
-                                <p:cTn id="9" presetID="1" presetClass="entr" presetSubtype="0" fill="hold" nodeType="clickEffect">
-                                  <p:stCondLst>
-                                    <p:cond delay="0"/>
-                                  </p:stCondLst>
-                                  <p:childTnLst>
-                                    <p:set>
-                                      <p:cBhvr>
-                                        <p:cTn id="10" dur="1" fill="hold">
-                                          <p:stCondLst>
-                                            <p:cond delay="0"/>
-                                          </p:stCondLst>
-                                        </p:cTn>
-                                        <p:tgtEl>
-                                          <p:spTgt spid="3">
-                                            <p:txEl>
-                                              <p:pRg st="4" end="4"/>
-                                            </p:txEl>
-                                          </p:spTgt>
-                                        </p:tgtEl>
-                                        <p:attrNameLst>
-                                          <p:attrName>style.visibility</p:attrName>
-                                        </p:attrNameLst>
-                                      </p:cBhvr>
-                                      <p:to>
-                                        <p:strVal val="visible"/>
-                                      </p:to>
-                                    </p:set>
-                                  </p:childTnLst>
-                                </p:cTn>
-                              </p:par>
-                            </p:childTnLst>
-                          </p:cTn>
-                        </p:par>
-                      </p:childTnLst>
-                    </p:cTn>
-                  </p:par>
-                  <p:par>
-                    <p:cTn id="11" fill="hold">
-                      <p:stCondLst>
-                        <p:cond delay="indefinite"/>
-                      </p:stCondLst>
-                      <p:childTnLst>
-                        <p:par>
-                          <p:cTn id="12" fill="hold">
-                            <p:stCondLst>
-                              <p:cond delay="0"/>
-                            </p:stCondLst>
-                            <p:childTnLst>
-                              <p:par>
-                                <p:cTn id="13" presetID="1" presetClass="entr" presetSubtype="0" fill="hold" nodeType="clickEffect">
-                                  <p:stCondLst>
-                                    <p:cond delay="0"/>
-                                  </p:stCondLst>
-                                  <p:childTnLst>
-                                    <p:set>
-                                      <p:cBhvr>
-                                        <p:cTn id="14" dur="1" fill="hold">
-                                          <p:stCondLst>
-                                            <p:cond delay="0"/>
-                                          </p:stCondLst>
-                                        </p:cTn>
-                                        <p:tgtEl>
-                                          <p:spTgt spid="3">
-                                            <p:txEl>
-                                              <p:pRg st="7" end="7"/>
-                                            </p:txEl>
-                                          </p:spTgt>
-                                        </p:tgtEl>
-                                        <p:attrNameLst>
-                                          <p:attrName>style.visibility</p:attrName>
-                                        </p:attrNameLst>
-                                      </p:cBhvr>
-                                      <p:to>
-                                        <p:strVal val="visible"/>
-                                      </p:to>
-                                    </p:set>
-                                  </p:childTnLst>
-                                </p:cTn>
-                              </p:par>
-                            </p:childTnLst>
-                          </p:cTn>
-                        </p:par>
-                      </p:childTnLst>
-                    </p:cTn>
-                  </p:par>
-                  <p:par>
-                    <p:cTn id="15" fill="hold">
-                      <p:stCondLst>
-                        <p:cond delay="indefinite"/>
-                      </p:stCondLst>
-                      <p:childTnLst>
-                        <p:par>
-                          <p:cTn id="16" fill="hold">
-                            <p:stCondLst>
-                              <p:cond delay="0"/>
-                            </p:stCondLst>
-                            <p:childTnLst>
-                              <p:par>
-                                <p:cTn id="17" presetID="1" presetClass="entr" presetSubtype="0" fill="hold" nodeType="clickEffect">
-                                  <p:stCondLst>
-                                    <p:cond delay="0"/>
-                                  </p:stCondLst>
-                                  <p:childTnLst>
-                                    <p:set>
-                                      <p:cBhvr>
-                                        <p:cTn id="18" dur="1" fill="hold">
-                                          <p:stCondLst>
-                                            <p:cond delay="0"/>
-                                          </p:stCondLst>
-                                        </p:cTn>
-                                        <p:tgtEl>
-                                          <p:spTgt spid="3">
-                                            <p:txEl>
-                                              <p:pRg st="10" end="10"/>
-                                            </p:txEl>
-                                          </p:spTgt>
-                                        </p:tgtEl>
-                                        <p:attrNameLst>
-                                          <p:attrName>style.visibility</p:attrName>
-                                        </p:attrNameLst>
-                                      </p:cBhvr>
-                                      <p:to>
-                                        <p:strVal val="visible"/>
-                                      </p:to>
-                                    </p:set>
-                                  </p:childTnLst>
-                                </p:cTn>
-                              </p:par>
-                              <p:par>
-                                <p:cTn id="19" presetID="1" presetClass="entr" presetSubtype="0" fill="hold" nodeType="withEffect">
-                                  <p:stCondLst>
-                                    <p:cond delay="0"/>
-                                  </p:stCondLst>
-                                  <p:childTnLst>
-                                    <p:set>
-                                      <p:cBhvr>
-                                        <p:cTn id="20" dur="1" fill="hold">
-                                          <p:stCondLst>
-                                            <p:cond delay="0"/>
-                                          </p:stCondLst>
-                                        </p:cTn>
-                                        <p:tgtEl>
-                                          <p:spTgt spid="3">
-                                            <p:txEl>
-                                              <p:pRg st="11" end="11"/>
-                                            </p:txEl>
-                                          </p:spTgt>
-                                        </p:tgtEl>
-                                        <p:attrNameLst>
-                                          <p:attrName>style.visibility</p:attrName>
-                                        </p:attrNameLst>
-                                      </p:cBhvr>
-                                      <p:to>
-                                        <p:strVal val="visible"/>
-                                      </p:to>
-                                    </p:set>
-                                  </p:childTnLst>
-                                </p:cTn>
-                              </p:par>
-                            </p:childTnLst>
-                          </p:cTn>
-                        </p:par>
-                      </p:childTnLst>
-                    </p:cTn>
-                  </p:par>
-                </p:childTnLst>
-              </p:cTn>
-              <p:prevCondLst>
-                <p:cond evt="onPrev" delay="0">
-                  <p:tgtEl>
-                    <p:sldTgt/>
-                  </p:tgtEl>
-                </p:cond>
-              </p:prevCondLst>
-              <p:nextCondLst>
-                <p:cond evt="onNext" delay="0">
-                  <p:tgtEl>
-                    <p:sldTgt/>
-                  </p:tgtEl>
-                </p:cond>
-              </p:nextCondLst>
-            </p:seq>
-          </p:childTnLst>
-        </p:cTn>
-      </p:par>
-    </p:tnLst>
-  </p:timing>
-</p:sld>
-</file>
-
-<file path=ppt/slides/slide14.xml><?xml version="1.0" encoding="utf-8"?>
-<p:sld xmlns:a="http://schemas.openxmlformats.org/drawingml/2006/main" xmlns:r="http://schemas.openxmlformats.org/officeDocument/2006/relationships" xmlns:p="http://schemas.openxmlformats.org/presentationml/2006/main">
-  <p:cSld>
-    <p:spTree>
-      <p:nvGrpSpPr>
-        <p:cNvPr id="1" name=""/>
-        <p:cNvGrpSpPr/>
-        <p:nvPr/>
-      </p:nvGrpSpPr>
-      <p:grpSpPr>
-        <a:xfrm>
-          <a:off x="0" y="0"/>
-          <a:ext cx="0" cy="0"/>
-          <a:chOff x="0" y="0"/>
-          <a:chExt cx="0" cy="0"/>
-        </a:xfrm>
-      </p:grpSpPr>
-      <p:sp>
-        <p:nvSpPr>
           <p:cNvPr id="23554" name="Title 1"/>
           <p:cNvSpPr>
             <a:spLocks noGrp="1"/>
@@ -10527,8 +8040,35 @@
               <a:rPr lang="en-US" dirty="0">
                 <a:latin typeface="Arial" charset="0"/>
               </a:rPr>
-              <a:t> deadline for outstanding programs: end of semester (12/9)</a:t>
-            </a:r>
+              <a:t> deadline for outstanding programs: end of semester (12/9</a:t>
+            </a:r>
+            <a:r>
+              <a:rPr lang="en-US" dirty="0" smtClean="0">
+                <a:latin typeface="Arial" charset="0"/>
+              </a:rPr>
+              <a:t>)</a:t>
+            </a:r>
+          </a:p>
+          <a:p>
+            <a:pPr lvl="1"/>
+            <a:r>
+              <a:rPr lang="en-US" dirty="0" err="1">
+                <a:latin typeface="Arial" charset="0"/>
+              </a:rPr>
+              <a:t>Nasibeh’s</a:t>
+            </a:r>
+            <a:r>
+              <a:rPr lang="en-US" dirty="0">
+                <a:latin typeface="Arial" charset="0"/>
+              </a:rPr>
+              <a:t> office hours today: 2-3</a:t>
+            </a:r>
+          </a:p>
+          <a:p>
+            <a:pPr lvl="1"/>
+            <a:endParaRPr lang="en-US" dirty="0">
+              <a:latin typeface="Arial" charset="0"/>
+            </a:endParaRPr>
           </a:p>
           <a:p>
             <a:pPr lvl="2">
@@ -10679,7 +8219,7 @@
             <a:pPr eaLnBrk="0" hangingPunct="0"/>
             <a:fld id="{AEA8FE5E-AE12-9C4A-BA87-50EFD3399698}" type="datetime1">
               <a:rPr lang="en-US" sz="1200" smtClean="0"/>
-              <a:t>12/1/15</a:t>
+              <a:t>12/3/15</a:t>
             </a:fld>
             <a:endParaRPr lang="en-US" sz="1200"/>
           </a:p>
@@ -10839,7 +8379,7 @@
             <a:fld id="{843FFED0-5613-D747-AC8F-CF84A7339BF4}" type="slidenum">
               <a:rPr lang="en-US" sz="1200"/>
               <a:pPr eaLnBrk="0" hangingPunct="0"/>
-              <a:t>14</a:t>
+              <a:t>12</a:t>
             </a:fld>
             <a:endParaRPr lang="en-US" sz="1200"/>
           </a:p>
@@ -10939,17 +8479,17 @@
               <a:rPr lang="en-US" dirty="0" smtClean="0">
                 <a:latin typeface="Arial" charset="0"/>
               </a:rPr>
-              <a:t>Program 9 due </a:t>
-            </a:r>
+              <a:t>Program 9 due today</a:t>
+            </a:r>
+          </a:p>
+          <a:p>
+            <a:pPr lvl="1"/>
             <a:r>
               <a:rPr lang="en-US" dirty="0" smtClean="0">
                 <a:latin typeface="Arial" charset="0"/>
               </a:rPr>
-              <a:t>today</a:t>
-            </a:r>
-            <a:endParaRPr lang="en-US" dirty="0" smtClean="0">
-              <a:latin typeface="Arial" charset="0"/>
-            </a:endParaRPr>
+              <a:t>Program 10 due 12/9</a:t>
+            </a:r>
           </a:p>
           <a:p>
             <a:pPr lvl="1"/>
@@ -10957,16 +8497,22 @@
               <a:rPr lang="en-US" dirty="0" smtClean="0">
                 <a:latin typeface="Arial" charset="0"/>
               </a:rPr>
-              <a:t>Program 10 due 12/9</a:t>
+              <a:t>Will count 9 of 10 programs; drop lowest score</a:t>
             </a:r>
           </a:p>
           <a:p>
             <a:pPr lvl="1"/>
             <a:r>
+              <a:rPr lang="en-US" dirty="0" err="1" smtClean="0">
+                <a:latin typeface="Arial" charset="0"/>
+              </a:rPr>
+              <a:t>Regrade</a:t>
+            </a:r>
+            <a:r>
               <a:rPr lang="en-US" dirty="0" smtClean="0">
                 <a:latin typeface="Arial" charset="0"/>
               </a:rPr>
-              <a:t>Will count 9 of 10 programs; drop lowest score</a:t>
+              <a:t> deadline for outstanding programs: end of semester (12/9)</a:t>
             </a:r>
           </a:p>
           <a:p>
@@ -10975,13 +8521,13 @@
               <a:rPr lang="en-US" dirty="0" err="1" smtClean="0">
                 <a:latin typeface="Arial" charset="0"/>
               </a:rPr>
-              <a:t>Regrade</a:t>
+              <a:t>Nasibeh’s</a:t>
             </a:r>
             <a:r>
               <a:rPr lang="en-US" dirty="0" smtClean="0">
                 <a:latin typeface="Arial" charset="0"/>
               </a:rPr>
-              <a:t> deadline for outstanding programs: end of semester (12/9)</a:t>
+              <a:t> office hours today: 2-3</a:t>
             </a:r>
           </a:p>
           <a:p>
@@ -10995,13 +8541,7 @@
               <a:rPr lang="en-US" dirty="0" smtClean="0">
                 <a:latin typeface="Arial" charset="0"/>
               </a:rPr>
-              <a:t>Today’s </a:t>
-            </a:r>
-            <a:r>
-              <a:rPr lang="en-US" dirty="0" smtClean="0">
-                <a:latin typeface="Arial" charset="0"/>
-              </a:rPr>
-              <a:t>class</a:t>
+              <a:t>Today’s class</a:t>
             </a:r>
           </a:p>
           <a:p>
@@ -11143,7 +8683,7 @@
               <a:rPr lang="en-US" sz="1200" smtClean="0">
                 <a:latin typeface="Garamond" charset="0"/>
               </a:rPr>
-              <a:t>12/1/15</a:t>
+              <a:t>12/3/15</a:t>
             </a:fld>
             <a:endParaRPr lang="en-US" sz="1200">
               <a:latin typeface="Garamond" charset="0"/>
@@ -11984,7 +9524,7 @@
               <a:rPr lang="en-US" sz="1200" smtClean="0">
                 <a:latin typeface="Garamond" charset="0"/>
               </a:rPr>
-              <a:t>12/1/15</a:t>
+              <a:t>12/3/15</a:t>
             </a:fld>
             <a:endParaRPr lang="en-US" sz="1200">
               <a:latin typeface="Garamond" charset="0"/>
@@ -12416,7 +9956,7 @@
               <a:rPr lang="en-US" sz="1200" smtClean="0">
                 <a:latin typeface="Garamond" charset="0"/>
               </a:rPr>
-              <a:t>12/1/15</a:t>
+              <a:t>12/3/15</a:t>
             </a:fld>
             <a:endParaRPr lang="en-US" sz="1200">
               <a:latin typeface="Garamond" charset="0"/>
@@ -12960,7 +10500,7 @@
               <a:rPr lang="en-US" sz="1200" smtClean="0">
                 <a:latin typeface="Garamond" charset="0"/>
               </a:rPr>
-              <a:t>12/1/15</a:t>
+              <a:t>12/3/15</a:t>
             </a:fld>
             <a:endParaRPr lang="en-US" sz="1200">
               <a:latin typeface="Garamond" charset="0"/>
@@ -13473,7 +11013,7 @@
               <a:rPr lang="en-US" sz="1200" smtClean="0">
                 <a:latin typeface="Garamond" charset="0"/>
               </a:rPr>
-              <a:t>12/1/15</a:t>
+              <a:t>12/3/15</a:t>
             </a:fld>
             <a:endParaRPr lang="en-US" sz="1200">
               <a:latin typeface="Garamond" charset="0"/>
@@ -14159,7 +11699,7 @@
               <a:rPr lang="en-US" sz="1200" smtClean="0">
                 <a:latin typeface="Garamond" charset="0"/>
               </a:rPr>
-              <a:t>12/1/15</a:t>
+              <a:t>12/3/15</a:t>
             </a:fld>
             <a:endParaRPr lang="en-US" sz="1200">
               <a:latin typeface="Garamond" charset="0"/>
@@ -15854,7 +13394,7 @@
               <a:rPr lang="en-US" sz="1200" smtClean="0">
                 <a:latin typeface="Garamond" charset="0"/>
               </a:rPr>
-              <a:t>12/1/15</a:t>
+              <a:t>12/3/15</a:t>
             </a:fld>
             <a:endParaRPr lang="en-US" sz="1200">
               <a:latin typeface="Garamond" charset="0"/>
@@ -16588,7 +14128,7 @@
                 <a:latin typeface="Garamond" charset="0"/>
                 <a:cs typeface="Arial" charset="0"/>
               </a:rPr>
-              <a:t>12/1/15</a:t>
+              <a:t>12/3/15</a:t>
             </a:fld>
             <a:endParaRPr lang="en-US" sz="1200">
               <a:latin typeface="Garamond" charset="0"/>
